--- a/documents/Plotting HepB Results.pptx
+++ b/documents/Plotting HepB Results.pptx
@@ -6,7 +6,12 @@
   </p:sldMasterIdLst>
   <p:sldIdLst>
     <p:sldId id="256" r:id="rId2"/>
-    <p:sldId id="257" r:id="rId3"/>
+    <p:sldId id="258" r:id="rId3"/>
+    <p:sldId id="259" r:id="rId4"/>
+    <p:sldId id="260" r:id="rId5"/>
+    <p:sldId id="261" r:id="rId6"/>
+    <p:sldId id="262" r:id="rId7"/>
+    <p:sldId id="263" r:id="rId8"/>
   </p:sldIdLst>
   <p:sldSz cx="12192000" cy="6858000"/>
   <p:notesSz cx="6858000" cy="9144000"/>
@@ -273,7 +278,7 @@
           <a:p>
             <a:fld id="{EE83E5F4-A4E0-48BD-B847-3F0720CD9892}" type="datetimeFigureOut">
               <a:rPr lang="en-AU" smtClean="0"/>
-              <a:t>4/04/2023</a:t>
+              <a:t>10/05/2023</a:t>
             </a:fld>
             <a:endParaRPr lang="en-AU"/>
           </a:p>
@@ -473,7 +478,7 @@
           <a:p>
             <a:fld id="{EE83E5F4-A4E0-48BD-B847-3F0720CD9892}" type="datetimeFigureOut">
               <a:rPr lang="en-AU" smtClean="0"/>
-              <a:t>4/04/2023</a:t>
+              <a:t>10/05/2023</a:t>
             </a:fld>
             <a:endParaRPr lang="en-AU"/>
           </a:p>
@@ -683,7 +688,7 @@
           <a:p>
             <a:fld id="{EE83E5F4-A4E0-48BD-B847-3F0720CD9892}" type="datetimeFigureOut">
               <a:rPr lang="en-AU" smtClean="0"/>
-              <a:t>4/04/2023</a:t>
+              <a:t>10/05/2023</a:t>
             </a:fld>
             <a:endParaRPr lang="en-AU"/>
           </a:p>
@@ -883,7 +888,7 @@
           <a:p>
             <a:fld id="{EE83E5F4-A4E0-48BD-B847-3F0720CD9892}" type="datetimeFigureOut">
               <a:rPr lang="en-AU" smtClean="0"/>
-              <a:t>4/04/2023</a:t>
+              <a:t>10/05/2023</a:t>
             </a:fld>
             <a:endParaRPr lang="en-AU"/>
           </a:p>
@@ -1159,7 +1164,7 @@
           <a:p>
             <a:fld id="{EE83E5F4-A4E0-48BD-B847-3F0720CD9892}" type="datetimeFigureOut">
               <a:rPr lang="en-AU" smtClean="0"/>
-              <a:t>4/04/2023</a:t>
+              <a:t>10/05/2023</a:t>
             </a:fld>
             <a:endParaRPr lang="en-AU"/>
           </a:p>
@@ -1427,7 +1432,7 @@
           <a:p>
             <a:fld id="{EE83E5F4-A4E0-48BD-B847-3F0720CD9892}" type="datetimeFigureOut">
               <a:rPr lang="en-AU" smtClean="0"/>
-              <a:t>4/04/2023</a:t>
+              <a:t>10/05/2023</a:t>
             </a:fld>
             <a:endParaRPr lang="en-AU"/>
           </a:p>
@@ -1842,7 +1847,7 @@
           <a:p>
             <a:fld id="{EE83E5F4-A4E0-48BD-B847-3F0720CD9892}" type="datetimeFigureOut">
               <a:rPr lang="en-AU" smtClean="0"/>
-              <a:t>4/04/2023</a:t>
+              <a:t>10/05/2023</a:t>
             </a:fld>
             <a:endParaRPr lang="en-AU"/>
           </a:p>
@@ -1984,7 +1989,7 @@
           <a:p>
             <a:fld id="{EE83E5F4-A4E0-48BD-B847-3F0720CD9892}" type="datetimeFigureOut">
               <a:rPr lang="en-AU" smtClean="0"/>
-              <a:t>4/04/2023</a:t>
+              <a:t>10/05/2023</a:t>
             </a:fld>
             <a:endParaRPr lang="en-AU"/>
           </a:p>
@@ -2097,7 +2102,7 @@
           <a:p>
             <a:fld id="{EE83E5F4-A4E0-48BD-B847-3F0720CD9892}" type="datetimeFigureOut">
               <a:rPr lang="en-AU" smtClean="0"/>
-              <a:t>4/04/2023</a:t>
+              <a:t>10/05/2023</a:t>
             </a:fld>
             <a:endParaRPr lang="en-AU"/>
           </a:p>
@@ -2410,7 +2415,7 @@
           <a:p>
             <a:fld id="{EE83E5F4-A4E0-48BD-B847-3F0720CD9892}" type="datetimeFigureOut">
               <a:rPr lang="en-AU" smtClean="0"/>
-              <a:t>4/04/2023</a:t>
+              <a:t>10/05/2023</a:t>
             </a:fld>
             <a:endParaRPr lang="en-AU"/>
           </a:p>
@@ -2699,7 +2704,7 @@
           <a:p>
             <a:fld id="{EE83E5F4-A4E0-48BD-B847-3F0720CD9892}" type="datetimeFigureOut">
               <a:rPr lang="en-AU" smtClean="0"/>
-              <a:t>4/04/2023</a:t>
+              <a:t>10/05/2023</a:t>
             </a:fld>
             <a:endParaRPr lang="en-AU"/>
           </a:p>
@@ -2942,7 +2947,7 @@
           <a:p>
             <a:fld id="{EE83E5F4-A4E0-48BD-B847-3F0720CD9892}" type="datetimeFigureOut">
               <a:rPr lang="en-AU" smtClean="0"/>
-              <a:t>4/04/2023</a:t>
+              <a:t>10/05/2023</a:t>
             </a:fld>
             <a:endParaRPr lang="en-AU"/>
           </a:p>
@@ -3420,6 +3425,36 @@
           </a:p>
         </p:txBody>
       </p:sp>
+      <p:pic>
+        <p:nvPicPr>
+          <p:cNvPr id="5" name="Picture 4">
+            <a:extLst>
+              <a:ext uri="{FF2B5EF4-FFF2-40B4-BE49-F238E27FC236}">
+                <a16:creationId xmlns:a16="http://schemas.microsoft.com/office/drawing/2014/main" id="{70767224-3256-28F2-6FBE-0DA8FCB30317}"/>
+              </a:ext>
+            </a:extLst>
+          </p:cNvPr>
+          <p:cNvPicPr>
+            <a:picLocks noChangeAspect="1"/>
+          </p:cNvPicPr>
+          <p:nvPr/>
+        </p:nvPicPr>
+        <p:blipFill>
+          <a:blip r:embed="rId2"/>
+          <a:stretch>
+            <a:fillRect/>
+          </a:stretch>
+        </p:blipFill>
+        <p:spPr>
+          <a:xfrm>
+            <a:off x="4936958" y="3864894"/>
+            <a:ext cx="3918784" cy="2465568"/>
+          </a:xfrm>
+          <a:prstGeom prst="rect">
+            <a:avLst/>
+          </a:prstGeom>
+        </p:spPr>
+      </p:pic>
     </p:spTree>
     <p:extLst>
       <p:ext uri="{BB962C8B-B14F-4D97-AF65-F5344CB8AC3E}">
@@ -3450,10 +3485,2769 @@
           <a:chExt cx="0" cy="0"/>
         </a:xfrm>
       </p:grpSpPr>
+      <p:sp>
+        <p:nvSpPr>
+          <p:cNvPr id="2" name="Title 1">
+            <a:extLst>
+              <a:ext uri="{FF2B5EF4-FFF2-40B4-BE49-F238E27FC236}">
+                <a16:creationId xmlns:a16="http://schemas.microsoft.com/office/drawing/2014/main" id="{63ECE997-ED70-6C25-0AAF-F79D872AF119}"/>
+              </a:ext>
+            </a:extLst>
+          </p:cNvPr>
+          <p:cNvSpPr>
+            <a:spLocks noGrp="1"/>
+          </p:cNvSpPr>
+          <p:nvPr>
+            <p:ph type="title"/>
+          </p:nvPr>
+        </p:nvSpPr>
+        <p:spPr/>
+        <p:txBody>
+          <a:bodyPr/>
+          <a:lstStyle/>
+          <a:p>
+            <a:r>
+              <a:rPr lang="en-AU"/>
+              <a:t>AFR</a:t>
+            </a:r>
+            <a:endParaRPr lang="en-AU" dirty="0"/>
+          </a:p>
+        </p:txBody>
+      </p:sp>
+      <p:sp>
+        <p:nvSpPr>
+          <p:cNvPr id="3" name="TextBox 2">
+            <a:extLst>
+              <a:ext uri="{FF2B5EF4-FFF2-40B4-BE49-F238E27FC236}">
+                <a16:creationId xmlns:a16="http://schemas.microsoft.com/office/drawing/2014/main" id="{F2F976C0-D5B1-480F-59D4-B0AC98735867}"/>
+              </a:ext>
+            </a:extLst>
+          </p:cNvPr>
+          <p:cNvSpPr txBox="1"/>
+          <p:nvPr/>
+        </p:nvSpPr>
+        <p:spPr>
+          <a:xfrm rot="16200000">
+            <a:off x="-869133" y="2154724"/>
+            <a:ext cx="3431264" cy="369332"/>
+          </a:xfrm>
+          <a:prstGeom prst="rect">
+            <a:avLst/>
+          </a:prstGeom>
+          <a:noFill/>
+        </p:spPr>
+        <p:txBody>
+          <a:bodyPr wrap="square" rtlCol="0">
+            <a:spAutoFit/>
+          </a:bodyPr>
+          <a:lstStyle/>
+          <a:p>
+            <a:r>
+              <a:rPr lang="en-AU" dirty="0"/>
+              <a:t>Chronic Hep B Population</a:t>
+            </a:r>
+          </a:p>
+        </p:txBody>
+      </p:sp>
+      <p:sp>
+        <p:nvSpPr>
+          <p:cNvPr id="5" name="TextBox 4">
+            <a:extLst>
+              <a:ext uri="{FF2B5EF4-FFF2-40B4-BE49-F238E27FC236}">
+                <a16:creationId xmlns:a16="http://schemas.microsoft.com/office/drawing/2014/main" id="{063DB706-B89B-EBAC-2A16-ECC09F26CC78}"/>
+              </a:ext>
+            </a:extLst>
+          </p:cNvPr>
+          <p:cNvSpPr txBox="1"/>
+          <p:nvPr/>
+        </p:nvSpPr>
+        <p:spPr>
+          <a:xfrm rot="16200000">
+            <a:off x="-879695" y="4778720"/>
+            <a:ext cx="3431264" cy="369332"/>
+          </a:xfrm>
+          <a:prstGeom prst="rect">
+            <a:avLst/>
+          </a:prstGeom>
+          <a:noFill/>
+        </p:spPr>
+        <p:txBody>
+          <a:bodyPr wrap="square" rtlCol="0">
+            <a:spAutoFit/>
+          </a:bodyPr>
+          <a:lstStyle/>
+          <a:p>
+            <a:r>
+              <a:rPr lang="en-AU" dirty="0"/>
+              <a:t>Acute </a:t>
+            </a:r>
+            <a:r>
+              <a:rPr lang="en-AU" dirty="0" err="1"/>
+              <a:t>HepB</a:t>
+            </a:r>
+            <a:r>
+              <a:rPr lang="en-AU" dirty="0"/>
+              <a:t> Deaths</a:t>
+            </a:r>
+          </a:p>
+        </p:txBody>
+      </p:sp>
+      <p:sp>
+        <p:nvSpPr>
+          <p:cNvPr id="6" name="TextBox 5">
+            <a:extLst>
+              <a:ext uri="{FF2B5EF4-FFF2-40B4-BE49-F238E27FC236}">
+                <a16:creationId xmlns:a16="http://schemas.microsoft.com/office/drawing/2014/main" id="{23ADDFB7-67DB-F4B7-0C25-12498975F2CD}"/>
+              </a:ext>
+            </a:extLst>
+          </p:cNvPr>
+          <p:cNvSpPr txBox="1"/>
+          <p:nvPr/>
+        </p:nvSpPr>
+        <p:spPr>
+          <a:xfrm rot="16200000">
+            <a:off x="4958281" y="1689980"/>
+            <a:ext cx="3431264" cy="369332"/>
+          </a:xfrm>
+          <a:prstGeom prst="rect">
+            <a:avLst/>
+          </a:prstGeom>
+          <a:noFill/>
+        </p:spPr>
+        <p:txBody>
+          <a:bodyPr wrap="square" rtlCol="0">
+            <a:spAutoFit/>
+          </a:bodyPr>
+          <a:lstStyle/>
+          <a:p>
+            <a:r>
+              <a:rPr lang="en-AU" dirty="0"/>
+              <a:t>Cirrhosis Deaths</a:t>
+            </a:r>
+          </a:p>
+        </p:txBody>
+      </p:sp>
+      <p:sp>
+        <p:nvSpPr>
+          <p:cNvPr id="7" name="TextBox 6">
+            <a:extLst>
+              <a:ext uri="{FF2B5EF4-FFF2-40B4-BE49-F238E27FC236}">
+                <a16:creationId xmlns:a16="http://schemas.microsoft.com/office/drawing/2014/main" id="{E26B3198-06D4-7E9D-0580-B8D42484FBF5}"/>
+              </a:ext>
+            </a:extLst>
+          </p:cNvPr>
+          <p:cNvSpPr txBox="1"/>
+          <p:nvPr/>
+        </p:nvSpPr>
+        <p:spPr>
+          <a:xfrm rot="16200000">
+            <a:off x="5002039" y="4286816"/>
+            <a:ext cx="3431264" cy="369332"/>
+          </a:xfrm>
+          <a:prstGeom prst="rect">
+            <a:avLst/>
+          </a:prstGeom>
+          <a:noFill/>
+        </p:spPr>
+        <p:txBody>
+          <a:bodyPr wrap="square" rtlCol="0">
+            <a:spAutoFit/>
+          </a:bodyPr>
+          <a:lstStyle/>
+          <a:p>
+            <a:r>
+              <a:rPr lang="en-AU" dirty="0"/>
+              <a:t>HCC Deaths</a:t>
+            </a:r>
+          </a:p>
+        </p:txBody>
+      </p:sp>
+      <p:pic>
+        <p:nvPicPr>
+          <p:cNvPr id="6146" name="Picture 2">
+            <a:extLst>
+              <a:ext uri="{FF2B5EF4-FFF2-40B4-BE49-F238E27FC236}">
+                <a16:creationId xmlns:a16="http://schemas.microsoft.com/office/drawing/2014/main" id="{8741FD00-84E3-4D93-EF95-DE2A64527834}"/>
+              </a:ext>
+            </a:extLst>
+          </p:cNvPr>
+          <p:cNvPicPr>
+            <a:picLocks noChangeAspect="1" noChangeArrowheads="1"/>
+          </p:cNvPicPr>
+          <p:nvPr/>
+        </p:nvPicPr>
+        <p:blipFill>
+          <a:blip r:embed="rId2">
+            <a:extLst>
+              <a:ext uri="{28A0092B-C50C-407E-A947-70E740481C1C}">
+                <a14:useLocalDpi xmlns:a14="http://schemas.microsoft.com/office/drawing/2010/main" val="0"/>
+              </a:ext>
+            </a:extLst>
+          </a:blip>
+          <a:srcRect/>
+          <a:stretch>
+            <a:fillRect/>
+          </a:stretch>
+        </p:blipFill>
+        <p:spPr bwMode="auto">
+          <a:xfrm>
+            <a:off x="7105148" y="4210050"/>
+            <a:ext cx="3981450" cy="2647950"/>
+          </a:xfrm>
+          <a:prstGeom prst="rect">
+            <a:avLst/>
+          </a:prstGeom>
+          <a:noFill/>
+          <a:extLst>
+            <a:ext uri="{909E8E84-426E-40DD-AFC4-6F175D3DCCD1}">
+              <a14:hiddenFill xmlns:a14="http://schemas.microsoft.com/office/drawing/2010/main">
+                <a:solidFill>
+                  <a:srgbClr val="FFFFFF"/>
+                </a:solidFill>
+              </a14:hiddenFill>
+            </a:ext>
+          </a:extLst>
+        </p:spPr>
+      </p:pic>
+      <p:pic>
+        <p:nvPicPr>
+          <p:cNvPr id="6148" name="Picture 4">
+            <a:extLst>
+              <a:ext uri="{FF2B5EF4-FFF2-40B4-BE49-F238E27FC236}">
+                <a16:creationId xmlns:a16="http://schemas.microsoft.com/office/drawing/2014/main" id="{81A79510-527B-E7D7-700E-CB562A4E5160}"/>
+              </a:ext>
+            </a:extLst>
+          </p:cNvPr>
+          <p:cNvPicPr>
+            <a:picLocks noChangeAspect="1" noChangeArrowheads="1"/>
+          </p:cNvPicPr>
+          <p:nvPr/>
+        </p:nvPicPr>
+        <p:blipFill>
+          <a:blip r:embed="rId3">
+            <a:extLst>
+              <a:ext uri="{28A0092B-C50C-407E-A947-70E740481C1C}">
+                <a14:useLocalDpi xmlns:a14="http://schemas.microsoft.com/office/drawing/2010/main" val="0"/>
+              </a:ext>
+            </a:extLst>
+          </a:blip>
+          <a:srcRect/>
+          <a:stretch>
+            <a:fillRect/>
+          </a:stretch>
+        </p:blipFill>
+        <p:spPr bwMode="auto">
+          <a:xfrm>
+            <a:off x="7156283" y="1511467"/>
+            <a:ext cx="3943350" cy="2647950"/>
+          </a:xfrm>
+          <a:prstGeom prst="rect">
+            <a:avLst/>
+          </a:prstGeom>
+          <a:noFill/>
+          <a:extLst>
+            <a:ext uri="{909E8E84-426E-40DD-AFC4-6F175D3DCCD1}">
+              <a14:hiddenFill xmlns:a14="http://schemas.microsoft.com/office/drawing/2010/main">
+                <a:solidFill>
+                  <a:srgbClr val="FFFFFF"/>
+                </a:solidFill>
+              </a14:hiddenFill>
+            </a:ext>
+          </a:extLst>
+        </p:spPr>
+      </p:pic>
+      <p:pic>
+        <p:nvPicPr>
+          <p:cNvPr id="6150" name="Picture 6">
+            <a:extLst>
+              <a:ext uri="{FF2B5EF4-FFF2-40B4-BE49-F238E27FC236}">
+                <a16:creationId xmlns:a16="http://schemas.microsoft.com/office/drawing/2014/main" id="{302FC8E6-C21F-EC18-410D-74521464F04D}"/>
+              </a:ext>
+            </a:extLst>
+          </p:cNvPr>
+          <p:cNvPicPr>
+            <a:picLocks noChangeAspect="1" noChangeArrowheads="1"/>
+          </p:cNvPicPr>
+          <p:nvPr/>
+        </p:nvPicPr>
+        <p:blipFill>
+          <a:blip r:embed="rId4">
+            <a:extLst>
+              <a:ext uri="{28A0092B-C50C-407E-A947-70E740481C1C}">
+                <a14:useLocalDpi xmlns:a14="http://schemas.microsoft.com/office/drawing/2010/main" val="0"/>
+              </a:ext>
+            </a:extLst>
+          </a:blip>
+          <a:srcRect/>
+          <a:stretch>
+            <a:fillRect/>
+          </a:stretch>
+        </p:blipFill>
+        <p:spPr bwMode="auto">
+          <a:xfrm>
+            <a:off x="1410201" y="4210050"/>
+            <a:ext cx="3981450" cy="2647950"/>
+          </a:xfrm>
+          <a:prstGeom prst="rect">
+            <a:avLst/>
+          </a:prstGeom>
+          <a:noFill/>
+          <a:extLst>
+            <a:ext uri="{909E8E84-426E-40DD-AFC4-6F175D3DCCD1}">
+              <a14:hiddenFill xmlns:a14="http://schemas.microsoft.com/office/drawing/2010/main">
+                <a:solidFill>
+                  <a:srgbClr val="FFFFFF"/>
+                </a:solidFill>
+              </a14:hiddenFill>
+            </a:ext>
+          </a:extLst>
+        </p:spPr>
+      </p:pic>
+      <p:pic>
+        <p:nvPicPr>
+          <p:cNvPr id="6152" name="Picture 8">
+            <a:extLst>
+              <a:ext uri="{FF2B5EF4-FFF2-40B4-BE49-F238E27FC236}">
+                <a16:creationId xmlns:a16="http://schemas.microsoft.com/office/drawing/2014/main" id="{6E1F2FD3-A20B-F4A0-78D1-67E772275712}"/>
+              </a:ext>
+            </a:extLst>
+          </p:cNvPr>
+          <p:cNvPicPr>
+            <a:picLocks noChangeAspect="1" noChangeArrowheads="1"/>
+          </p:cNvPicPr>
+          <p:nvPr/>
+        </p:nvPicPr>
+        <p:blipFill>
+          <a:blip r:embed="rId5">
+            <a:extLst>
+              <a:ext uri="{28A0092B-C50C-407E-A947-70E740481C1C}">
+                <a14:useLocalDpi xmlns:a14="http://schemas.microsoft.com/office/drawing/2010/main" val="0"/>
+              </a:ext>
+            </a:extLst>
+          </a:blip>
+          <a:srcRect/>
+          <a:stretch>
+            <a:fillRect/>
+          </a:stretch>
+        </p:blipFill>
+        <p:spPr bwMode="auto">
+          <a:xfrm>
+            <a:off x="1427999" y="1270836"/>
+            <a:ext cx="4010025" cy="2647950"/>
+          </a:xfrm>
+          <a:prstGeom prst="rect">
+            <a:avLst/>
+          </a:prstGeom>
+          <a:noFill/>
+          <a:extLst>
+            <a:ext uri="{909E8E84-426E-40DD-AFC4-6F175D3DCCD1}">
+              <a14:hiddenFill xmlns:a14="http://schemas.microsoft.com/office/drawing/2010/main">
+                <a:solidFill>
+                  <a:srgbClr val="FFFFFF"/>
+                </a:solidFill>
+              </a14:hiddenFill>
+            </a:ext>
+          </a:extLst>
+        </p:spPr>
+      </p:pic>
+      <p:pic>
+        <p:nvPicPr>
+          <p:cNvPr id="8" name="Picture 7">
+            <a:extLst>
+              <a:ext uri="{FF2B5EF4-FFF2-40B4-BE49-F238E27FC236}">
+                <a16:creationId xmlns:a16="http://schemas.microsoft.com/office/drawing/2014/main" id="{9CBDA5DA-3A32-4869-3421-99ABFB87F495}"/>
+              </a:ext>
+            </a:extLst>
+          </p:cNvPr>
+          <p:cNvPicPr>
+            <a:picLocks noChangeAspect="1"/>
+          </p:cNvPicPr>
+          <p:nvPr/>
+        </p:nvPicPr>
+        <p:blipFill rotWithShape="1">
+          <a:blip r:embed="rId6"/>
+          <a:srcRect b="72022"/>
+          <a:stretch/>
+        </p:blipFill>
+        <p:spPr>
+          <a:xfrm>
+            <a:off x="7840579" y="224590"/>
+            <a:ext cx="3918784" cy="689811"/>
+          </a:xfrm>
+          <a:prstGeom prst="rect">
+            <a:avLst/>
+          </a:prstGeom>
+        </p:spPr>
+      </p:pic>
     </p:spTree>
     <p:extLst>
       <p:ext uri="{BB962C8B-B14F-4D97-AF65-F5344CB8AC3E}">
-        <p14:creationId xmlns:p14="http://schemas.microsoft.com/office/powerpoint/2010/main" val="4036707859"/>
+        <p14:creationId xmlns:p14="http://schemas.microsoft.com/office/powerpoint/2010/main" val="1516185437"/>
+      </p:ext>
+    </p:extLst>
+  </p:cSld>
+  <p:clrMapOvr>
+    <a:masterClrMapping/>
+  </p:clrMapOvr>
+</p:sld>
+</file>
+
+<file path=ppt/slides/slide3.xml><?xml version="1.0" encoding="utf-8"?>
+<p:sld xmlns:a="http://schemas.openxmlformats.org/drawingml/2006/main" xmlns:r="http://schemas.openxmlformats.org/officeDocument/2006/relationships" xmlns:p="http://schemas.openxmlformats.org/presentationml/2006/main">
+  <p:cSld>
+    <p:spTree>
+      <p:nvGrpSpPr>
+        <p:cNvPr id="1" name=""/>
+        <p:cNvGrpSpPr/>
+        <p:nvPr/>
+      </p:nvGrpSpPr>
+      <p:grpSpPr>
+        <a:xfrm>
+          <a:off x="0" y="0"/>
+          <a:ext cx="0" cy="0"/>
+          <a:chOff x="0" y="0"/>
+          <a:chExt cx="0" cy="0"/>
+        </a:xfrm>
+      </p:grpSpPr>
+      <p:sp>
+        <p:nvSpPr>
+          <p:cNvPr id="2" name="Title 1">
+            <a:extLst>
+              <a:ext uri="{FF2B5EF4-FFF2-40B4-BE49-F238E27FC236}">
+                <a16:creationId xmlns:a16="http://schemas.microsoft.com/office/drawing/2014/main" id="{257E5B59-A298-3C11-6E86-A336B2B3511C}"/>
+              </a:ext>
+            </a:extLst>
+          </p:cNvPr>
+          <p:cNvSpPr>
+            <a:spLocks noGrp="1"/>
+          </p:cNvSpPr>
+          <p:nvPr>
+            <p:ph type="title"/>
+          </p:nvPr>
+        </p:nvSpPr>
+        <p:spPr/>
+        <p:txBody>
+          <a:bodyPr/>
+          <a:lstStyle/>
+          <a:p>
+            <a:r>
+              <a:rPr lang="en-AU" dirty="0"/>
+              <a:t>AMR</a:t>
+            </a:r>
+          </a:p>
+        </p:txBody>
+      </p:sp>
+      <p:sp>
+        <p:nvSpPr>
+          <p:cNvPr id="3" name="TextBox 2">
+            <a:extLst>
+              <a:ext uri="{FF2B5EF4-FFF2-40B4-BE49-F238E27FC236}">
+                <a16:creationId xmlns:a16="http://schemas.microsoft.com/office/drawing/2014/main" id="{35BF820C-7525-79FE-A5C8-146A31F2D7D2}"/>
+              </a:ext>
+            </a:extLst>
+          </p:cNvPr>
+          <p:cNvSpPr txBox="1"/>
+          <p:nvPr/>
+        </p:nvSpPr>
+        <p:spPr>
+          <a:xfrm rot="16200000">
+            <a:off x="-869133" y="2154724"/>
+            <a:ext cx="3431264" cy="369332"/>
+          </a:xfrm>
+          <a:prstGeom prst="rect">
+            <a:avLst/>
+          </a:prstGeom>
+          <a:noFill/>
+        </p:spPr>
+        <p:txBody>
+          <a:bodyPr wrap="square" rtlCol="0">
+            <a:spAutoFit/>
+          </a:bodyPr>
+          <a:lstStyle/>
+          <a:p>
+            <a:r>
+              <a:rPr lang="en-AU" dirty="0"/>
+              <a:t>Chronic Hep B Population</a:t>
+            </a:r>
+          </a:p>
+        </p:txBody>
+      </p:sp>
+      <p:sp>
+        <p:nvSpPr>
+          <p:cNvPr id="7" name="TextBox 6">
+            <a:extLst>
+              <a:ext uri="{FF2B5EF4-FFF2-40B4-BE49-F238E27FC236}">
+                <a16:creationId xmlns:a16="http://schemas.microsoft.com/office/drawing/2014/main" id="{A0267745-BDD5-A8AC-F228-9D3B74654EBC}"/>
+              </a:ext>
+            </a:extLst>
+          </p:cNvPr>
+          <p:cNvSpPr txBox="1"/>
+          <p:nvPr/>
+        </p:nvSpPr>
+        <p:spPr>
+          <a:xfrm rot="16200000">
+            <a:off x="-879695" y="4778720"/>
+            <a:ext cx="3431264" cy="369332"/>
+          </a:xfrm>
+          <a:prstGeom prst="rect">
+            <a:avLst/>
+          </a:prstGeom>
+          <a:noFill/>
+        </p:spPr>
+        <p:txBody>
+          <a:bodyPr wrap="square" rtlCol="0">
+            <a:spAutoFit/>
+          </a:bodyPr>
+          <a:lstStyle/>
+          <a:p>
+            <a:r>
+              <a:rPr lang="en-AU" dirty="0"/>
+              <a:t>Acute </a:t>
+            </a:r>
+            <a:r>
+              <a:rPr lang="en-AU" dirty="0" err="1"/>
+              <a:t>HepB</a:t>
+            </a:r>
+            <a:r>
+              <a:rPr lang="en-AU" dirty="0"/>
+              <a:t> Deaths</a:t>
+            </a:r>
+          </a:p>
+        </p:txBody>
+      </p:sp>
+      <p:sp>
+        <p:nvSpPr>
+          <p:cNvPr id="8" name="TextBox 7">
+            <a:extLst>
+              <a:ext uri="{FF2B5EF4-FFF2-40B4-BE49-F238E27FC236}">
+                <a16:creationId xmlns:a16="http://schemas.microsoft.com/office/drawing/2014/main" id="{DC053B56-0AA4-5455-318D-667A6BA2CC11}"/>
+              </a:ext>
+            </a:extLst>
+          </p:cNvPr>
+          <p:cNvSpPr txBox="1"/>
+          <p:nvPr/>
+        </p:nvSpPr>
+        <p:spPr>
+          <a:xfrm rot="16200000">
+            <a:off x="4958281" y="1689980"/>
+            <a:ext cx="3431264" cy="369332"/>
+          </a:xfrm>
+          <a:prstGeom prst="rect">
+            <a:avLst/>
+          </a:prstGeom>
+          <a:noFill/>
+        </p:spPr>
+        <p:txBody>
+          <a:bodyPr wrap="square" rtlCol="0">
+            <a:spAutoFit/>
+          </a:bodyPr>
+          <a:lstStyle/>
+          <a:p>
+            <a:r>
+              <a:rPr lang="en-AU" dirty="0"/>
+              <a:t>Cirrhosis Deaths</a:t>
+            </a:r>
+          </a:p>
+        </p:txBody>
+      </p:sp>
+      <p:sp>
+        <p:nvSpPr>
+          <p:cNvPr id="9" name="TextBox 8">
+            <a:extLst>
+              <a:ext uri="{FF2B5EF4-FFF2-40B4-BE49-F238E27FC236}">
+                <a16:creationId xmlns:a16="http://schemas.microsoft.com/office/drawing/2014/main" id="{155BFBAC-E645-8629-EC9B-CC7D26A735EC}"/>
+              </a:ext>
+            </a:extLst>
+          </p:cNvPr>
+          <p:cNvSpPr txBox="1"/>
+          <p:nvPr/>
+        </p:nvSpPr>
+        <p:spPr>
+          <a:xfrm rot="16200000">
+            <a:off x="5002039" y="4286816"/>
+            <a:ext cx="3431264" cy="369332"/>
+          </a:xfrm>
+          <a:prstGeom prst="rect">
+            <a:avLst/>
+          </a:prstGeom>
+          <a:noFill/>
+        </p:spPr>
+        <p:txBody>
+          <a:bodyPr wrap="square" rtlCol="0">
+            <a:spAutoFit/>
+          </a:bodyPr>
+          <a:lstStyle/>
+          <a:p>
+            <a:r>
+              <a:rPr lang="en-AU" dirty="0"/>
+              <a:t>HCC Deaths</a:t>
+            </a:r>
+          </a:p>
+        </p:txBody>
+      </p:sp>
+      <p:pic>
+        <p:nvPicPr>
+          <p:cNvPr id="5122" name="Picture 2">
+            <a:extLst>
+              <a:ext uri="{FF2B5EF4-FFF2-40B4-BE49-F238E27FC236}">
+                <a16:creationId xmlns:a16="http://schemas.microsoft.com/office/drawing/2014/main" id="{03F2F882-7FD2-A746-B885-02FEAD4A7E0F}"/>
+              </a:ext>
+            </a:extLst>
+          </p:cNvPr>
+          <p:cNvPicPr>
+            <a:picLocks noChangeAspect="1" noChangeArrowheads="1"/>
+          </p:cNvPicPr>
+          <p:nvPr/>
+        </p:nvPicPr>
+        <p:blipFill>
+          <a:blip r:embed="rId2">
+            <a:extLst>
+              <a:ext uri="{28A0092B-C50C-407E-A947-70E740481C1C}">
+                <a14:useLocalDpi xmlns:a14="http://schemas.microsoft.com/office/drawing/2010/main" val="0"/>
+              </a:ext>
+            </a:extLst>
+          </a:blip>
+          <a:srcRect/>
+          <a:stretch>
+            <a:fillRect/>
+          </a:stretch>
+        </p:blipFill>
+        <p:spPr bwMode="auto">
+          <a:xfrm>
+            <a:off x="7137233" y="4210050"/>
+            <a:ext cx="3981450" cy="2647950"/>
+          </a:xfrm>
+          <a:prstGeom prst="rect">
+            <a:avLst/>
+          </a:prstGeom>
+          <a:noFill/>
+          <a:extLst>
+            <a:ext uri="{909E8E84-426E-40DD-AFC4-6F175D3DCCD1}">
+              <a14:hiddenFill xmlns:a14="http://schemas.microsoft.com/office/drawing/2010/main">
+                <a:solidFill>
+                  <a:srgbClr val="FFFFFF"/>
+                </a:solidFill>
+              </a14:hiddenFill>
+            </a:ext>
+          </a:extLst>
+        </p:spPr>
+      </p:pic>
+      <p:pic>
+        <p:nvPicPr>
+          <p:cNvPr id="5124" name="Picture 4">
+            <a:extLst>
+              <a:ext uri="{FF2B5EF4-FFF2-40B4-BE49-F238E27FC236}">
+                <a16:creationId xmlns:a16="http://schemas.microsoft.com/office/drawing/2014/main" id="{9AB4623F-EEB3-7D26-08DD-FF6E47237A04}"/>
+              </a:ext>
+            </a:extLst>
+          </p:cNvPr>
+          <p:cNvPicPr>
+            <a:picLocks noChangeAspect="1" noChangeArrowheads="1"/>
+          </p:cNvPicPr>
+          <p:nvPr/>
+        </p:nvPicPr>
+        <p:blipFill>
+          <a:blip r:embed="rId3">
+            <a:extLst>
+              <a:ext uri="{28A0092B-C50C-407E-A947-70E740481C1C}">
+                <a14:useLocalDpi xmlns:a14="http://schemas.microsoft.com/office/drawing/2010/main" val="0"/>
+              </a:ext>
+            </a:extLst>
+          </a:blip>
+          <a:srcRect/>
+          <a:stretch>
+            <a:fillRect/>
+          </a:stretch>
+        </p:blipFill>
+        <p:spPr bwMode="auto">
+          <a:xfrm>
+            <a:off x="7217443" y="1511467"/>
+            <a:ext cx="3981450" cy="2647950"/>
+          </a:xfrm>
+          <a:prstGeom prst="rect">
+            <a:avLst/>
+          </a:prstGeom>
+          <a:noFill/>
+          <a:extLst>
+            <a:ext uri="{909E8E84-426E-40DD-AFC4-6F175D3DCCD1}">
+              <a14:hiddenFill xmlns:a14="http://schemas.microsoft.com/office/drawing/2010/main">
+                <a:solidFill>
+                  <a:srgbClr val="FFFFFF"/>
+                </a:solidFill>
+              </a14:hiddenFill>
+            </a:ext>
+          </a:extLst>
+        </p:spPr>
+      </p:pic>
+      <p:pic>
+        <p:nvPicPr>
+          <p:cNvPr id="5126" name="Picture 6">
+            <a:extLst>
+              <a:ext uri="{FF2B5EF4-FFF2-40B4-BE49-F238E27FC236}">
+                <a16:creationId xmlns:a16="http://schemas.microsoft.com/office/drawing/2014/main" id="{D4BB976E-8D2B-B3A9-D797-AE74D142601D}"/>
+              </a:ext>
+            </a:extLst>
+          </p:cNvPr>
+          <p:cNvPicPr>
+            <a:picLocks noChangeAspect="1" noChangeArrowheads="1"/>
+          </p:cNvPicPr>
+          <p:nvPr/>
+        </p:nvPicPr>
+        <p:blipFill>
+          <a:blip r:embed="rId4">
+            <a:extLst>
+              <a:ext uri="{28A0092B-C50C-407E-A947-70E740481C1C}">
+                <a14:useLocalDpi xmlns:a14="http://schemas.microsoft.com/office/drawing/2010/main" val="0"/>
+              </a:ext>
+            </a:extLst>
+          </a:blip>
+          <a:srcRect/>
+          <a:stretch>
+            <a:fillRect/>
+          </a:stretch>
+        </p:blipFill>
+        <p:spPr bwMode="auto">
+          <a:xfrm>
+            <a:off x="1231984" y="4210050"/>
+            <a:ext cx="3952875" cy="2647950"/>
+          </a:xfrm>
+          <a:prstGeom prst="rect">
+            <a:avLst/>
+          </a:prstGeom>
+          <a:noFill/>
+          <a:extLst>
+            <a:ext uri="{909E8E84-426E-40DD-AFC4-6F175D3DCCD1}">
+              <a14:hiddenFill xmlns:a14="http://schemas.microsoft.com/office/drawing/2010/main">
+                <a:solidFill>
+                  <a:srgbClr val="FFFFFF"/>
+                </a:solidFill>
+              </a14:hiddenFill>
+            </a:ext>
+          </a:extLst>
+        </p:spPr>
+      </p:pic>
+      <p:pic>
+        <p:nvPicPr>
+          <p:cNvPr id="5128" name="Picture 8">
+            <a:extLst>
+              <a:ext uri="{FF2B5EF4-FFF2-40B4-BE49-F238E27FC236}">
+                <a16:creationId xmlns:a16="http://schemas.microsoft.com/office/drawing/2014/main" id="{1452D940-50F7-D467-B75D-A8D17E9937CD}"/>
+              </a:ext>
+            </a:extLst>
+          </p:cNvPr>
+          <p:cNvPicPr>
+            <a:picLocks noChangeAspect="1" noChangeArrowheads="1"/>
+          </p:cNvPicPr>
+          <p:nvPr/>
+        </p:nvPicPr>
+        <p:blipFill>
+          <a:blip r:embed="rId5">
+            <a:extLst>
+              <a:ext uri="{28A0092B-C50C-407E-A947-70E740481C1C}">
+                <a14:useLocalDpi xmlns:a14="http://schemas.microsoft.com/office/drawing/2010/main" val="0"/>
+              </a:ext>
+            </a:extLst>
+          </a:blip>
+          <a:srcRect/>
+          <a:stretch>
+            <a:fillRect/>
+          </a:stretch>
+        </p:blipFill>
+        <p:spPr bwMode="auto">
+          <a:xfrm>
+            <a:off x="1411956" y="1511467"/>
+            <a:ext cx="4010025" cy="2647950"/>
+          </a:xfrm>
+          <a:prstGeom prst="rect">
+            <a:avLst/>
+          </a:prstGeom>
+          <a:noFill/>
+          <a:extLst>
+            <a:ext uri="{909E8E84-426E-40DD-AFC4-6F175D3DCCD1}">
+              <a14:hiddenFill xmlns:a14="http://schemas.microsoft.com/office/drawing/2010/main">
+                <a:solidFill>
+                  <a:srgbClr val="FFFFFF"/>
+                </a:solidFill>
+              </a14:hiddenFill>
+            </a:ext>
+          </a:extLst>
+        </p:spPr>
+      </p:pic>
+      <p:grpSp>
+        <p:nvGrpSpPr>
+          <p:cNvPr id="12" name="Group 11">
+            <a:extLst>
+              <a:ext uri="{FF2B5EF4-FFF2-40B4-BE49-F238E27FC236}">
+                <a16:creationId xmlns:a16="http://schemas.microsoft.com/office/drawing/2014/main" id="{B6C9C402-CAF4-A6C5-43F3-FE5E6251A3BC}"/>
+              </a:ext>
+            </a:extLst>
+          </p:cNvPr>
+          <p:cNvGrpSpPr/>
+          <p:nvPr/>
+        </p:nvGrpSpPr>
+        <p:grpSpPr>
+          <a:xfrm>
+            <a:off x="7760368" y="112295"/>
+            <a:ext cx="3942848" cy="689811"/>
+            <a:chOff x="7760368" y="112295"/>
+            <a:chExt cx="3942848" cy="689811"/>
+          </a:xfrm>
+        </p:grpSpPr>
+        <p:pic>
+          <p:nvPicPr>
+            <p:cNvPr id="10" name="Picture 9">
+              <a:extLst>
+                <a:ext uri="{FF2B5EF4-FFF2-40B4-BE49-F238E27FC236}">
+                  <a16:creationId xmlns:a16="http://schemas.microsoft.com/office/drawing/2014/main" id="{EE7C25B9-885B-6B68-8B9E-7BEB470F4826}"/>
+                </a:ext>
+              </a:extLst>
+            </p:cNvPr>
+            <p:cNvPicPr>
+              <a:picLocks noChangeAspect="1"/>
+            </p:cNvPicPr>
+            <p:nvPr/>
+          </p:nvPicPr>
+          <p:blipFill rotWithShape="1">
+            <a:blip r:embed="rId6"/>
+            <a:srcRect b="72022"/>
+            <a:stretch/>
+          </p:blipFill>
+          <p:spPr>
+            <a:xfrm>
+              <a:off x="7760368" y="112295"/>
+              <a:ext cx="3918784" cy="689811"/>
+            </a:xfrm>
+            <a:prstGeom prst="rect">
+              <a:avLst/>
+            </a:prstGeom>
+          </p:spPr>
+        </p:pic>
+        <p:pic>
+          <p:nvPicPr>
+            <p:cNvPr id="11" name="Picture 10">
+              <a:extLst>
+                <a:ext uri="{FF2B5EF4-FFF2-40B4-BE49-F238E27FC236}">
+                  <a16:creationId xmlns:a16="http://schemas.microsoft.com/office/drawing/2014/main" id="{6B0677BF-A710-86A1-44D8-EE5FCCE0E70B}"/>
+                </a:ext>
+              </a:extLst>
+            </p:cNvPr>
+            <p:cNvPicPr>
+              <a:picLocks noChangeAspect="1"/>
+            </p:cNvPicPr>
+            <p:nvPr/>
+          </p:nvPicPr>
+          <p:blipFill rotWithShape="1">
+            <a:blip r:embed="rId6"/>
+            <a:srcRect l="409" t="26351" r="-409" b="59010"/>
+            <a:stretch/>
+          </p:blipFill>
+          <p:spPr>
+            <a:xfrm>
+              <a:off x="7784432" y="433137"/>
+              <a:ext cx="3918784" cy="360948"/>
+            </a:xfrm>
+            <a:prstGeom prst="rect">
+              <a:avLst/>
+            </a:prstGeom>
+          </p:spPr>
+        </p:pic>
+      </p:grpSp>
+    </p:spTree>
+    <p:extLst>
+      <p:ext uri="{BB962C8B-B14F-4D97-AF65-F5344CB8AC3E}">
+        <p14:creationId xmlns:p14="http://schemas.microsoft.com/office/powerpoint/2010/main" val="624342013"/>
+      </p:ext>
+    </p:extLst>
+  </p:cSld>
+  <p:clrMapOvr>
+    <a:masterClrMapping/>
+  </p:clrMapOvr>
+</p:sld>
+</file>
+
+<file path=ppt/slides/slide4.xml><?xml version="1.0" encoding="utf-8"?>
+<p:sld xmlns:a="http://schemas.openxmlformats.org/drawingml/2006/main" xmlns:r="http://schemas.openxmlformats.org/officeDocument/2006/relationships" xmlns:p="http://schemas.openxmlformats.org/presentationml/2006/main">
+  <p:cSld>
+    <p:spTree>
+      <p:nvGrpSpPr>
+        <p:cNvPr id="1" name=""/>
+        <p:cNvGrpSpPr/>
+        <p:nvPr/>
+      </p:nvGrpSpPr>
+      <p:grpSpPr>
+        <a:xfrm>
+          <a:off x="0" y="0"/>
+          <a:ext cx="0" cy="0"/>
+          <a:chOff x="0" y="0"/>
+          <a:chExt cx="0" cy="0"/>
+        </a:xfrm>
+      </p:grpSpPr>
+      <p:sp>
+        <p:nvSpPr>
+          <p:cNvPr id="2" name="Title 1">
+            <a:extLst>
+              <a:ext uri="{FF2B5EF4-FFF2-40B4-BE49-F238E27FC236}">
+                <a16:creationId xmlns:a16="http://schemas.microsoft.com/office/drawing/2014/main" id="{5A57C2B1-F002-3646-654A-1BD55A045A55}"/>
+              </a:ext>
+            </a:extLst>
+          </p:cNvPr>
+          <p:cNvSpPr>
+            <a:spLocks noGrp="1"/>
+          </p:cNvSpPr>
+          <p:nvPr>
+            <p:ph type="title"/>
+          </p:nvPr>
+        </p:nvSpPr>
+        <p:spPr/>
+        <p:txBody>
+          <a:bodyPr/>
+          <a:lstStyle/>
+          <a:p>
+            <a:r>
+              <a:rPr lang="en-AU" dirty="0"/>
+              <a:t>EMR</a:t>
+            </a:r>
+          </a:p>
+        </p:txBody>
+      </p:sp>
+      <p:sp>
+        <p:nvSpPr>
+          <p:cNvPr id="3" name="TextBox 2">
+            <a:extLst>
+              <a:ext uri="{FF2B5EF4-FFF2-40B4-BE49-F238E27FC236}">
+                <a16:creationId xmlns:a16="http://schemas.microsoft.com/office/drawing/2014/main" id="{EEE518CD-53CC-D408-F678-B203EF20EC5C}"/>
+              </a:ext>
+            </a:extLst>
+          </p:cNvPr>
+          <p:cNvSpPr txBox="1"/>
+          <p:nvPr/>
+        </p:nvSpPr>
+        <p:spPr>
+          <a:xfrm rot="16200000">
+            <a:off x="-869133" y="2154724"/>
+            <a:ext cx="3431264" cy="369332"/>
+          </a:xfrm>
+          <a:prstGeom prst="rect">
+            <a:avLst/>
+          </a:prstGeom>
+          <a:noFill/>
+        </p:spPr>
+        <p:txBody>
+          <a:bodyPr wrap="square" rtlCol="0">
+            <a:spAutoFit/>
+          </a:bodyPr>
+          <a:lstStyle/>
+          <a:p>
+            <a:r>
+              <a:rPr lang="en-AU" dirty="0"/>
+              <a:t>Chronic Hep B Population</a:t>
+            </a:r>
+          </a:p>
+        </p:txBody>
+      </p:sp>
+      <p:sp>
+        <p:nvSpPr>
+          <p:cNvPr id="7" name="TextBox 6">
+            <a:extLst>
+              <a:ext uri="{FF2B5EF4-FFF2-40B4-BE49-F238E27FC236}">
+                <a16:creationId xmlns:a16="http://schemas.microsoft.com/office/drawing/2014/main" id="{553E4461-BBA5-96A1-70CC-D67125653885}"/>
+              </a:ext>
+            </a:extLst>
+          </p:cNvPr>
+          <p:cNvSpPr txBox="1"/>
+          <p:nvPr/>
+        </p:nvSpPr>
+        <p:spPr>
+          <a:xfrm rot="16200000">
+            <a:off x="-879695" y="4778720"/>
+            <a:ext cx="3431264" cy="369332"/>
+          </a:xfrm>
+          <a:prstGeom prst="rect">
+            <a:avLst/>
+          </a:prstGeom>
+          <a:noFill/>
+        </p:spPr>
+        <p:txBody>
+          <a:bodyPr wrap="square" rtlCol="0">
+            <a:spAutoFit/>
+          </a:bodyPr>
+          <a:lstStyle/>
+          <a:p>
+            <a:r>
+              <a:rPr lang="en-AU" dirty="0"/>
+              <a:t>Acute </a:t>
+            </a:r>
+            <a:r>
+              <a:rPr lang="en-AU" dirty="0" err="1"/>
+              <a:t>HepB</a:t>
+            </a:r>
+            <a:r>
+              <a:rPr lang="en-AU" dirty="0"/>
+              <a:t> Deaths</a:t>
+            </a:r>
+          </a:p>
+        </p:txBody>
+      </p:sp>
+      <p:sp>
+        <p:nvSpPr>
+          <p:cNvPr id="8" name="TextBox 7">
+            <a:extLst>
+              <a:ext uri="{FF2B5EF4-FFF2-40B4-BE49-F238E27FC236}">
+                <a16:creationId xmlns:a16="http://schemas.microsoft.com/office/drawing/2014/main" id="{E823B9C5-4298-3A65-2769-2ED3634A5EB1}"/>
+              </a:ext>
+            </a:extLst>
+          </p:cNvPr>
+          <p:cNvSpPr txBox="1"/>
+          <p:nvPr/>
+        </p:nvSpPr>
+        <p:spPr>
+          <a:xfrm rot="16200000">
+            <a:off x="4958281" y="1689980"/>
+            <a:ext cx="3431264" cy="369332"/>
+          </a:xfrm>
+          <a:prstGeom prst="rect">
+            <a:avLst/>
+          </a:prstGeom>
+          <a:noFill/>
+        </p:spPr>
+        <p:txBody>
+          <a:bodyPr wrap="square" rtlCol="0">
+            <a:spAutoFit/>
+          </a:bodyPr>
+          <a:lstStyle/>
+          <a:p>
+            <a:r>
+              <a:rPr lang="en-AU" dirty="0"/>
+              <a:t>Cirrhosis Deaths</a:t>
+            </a:r>
+          </a:p>
+        </p:txBody>
+      </p:sp>
+      <p:sp>
+        <p:nvSpPr>
+          <p:cNvPr id="9" name="TextBox 8">
+            <a:extLst>
+              <a:ext uri="{FF2B5EF4-FFF2-40B4-BE49-F238E27FC236}">
+                <a16:creationId xmlns:a16="http://schemas.microsoft.com/office/drawing/2014/main" id="{22D90004-F267-4398-A504-265AAA3F2C54}"/>
+              </a:ext>
+            </a:extLst>
+          </p:cNvPr>
+          <p:cNvSpPr txBox="1"/>
+          <p:nvPr/>
+        </p:nvSpPr>
+        <p:spPr>
+          <a:xfrm rot="16200000">
+            <a:off x="5002039" y="4286816"/>
+            <a:ext cx="3431264" cy="369332"/>
+          </a:xfrm>
+          <a:prstGeom prst="rect">
+            <a:avLst/>
+          </a:prstGeom>
+          <a:noFill/>
+        </p:spPr>
+        <p:txBody>
+          <a:bodyPr wrap="square" rtlCol="0">
+            <a:spAutoFit/>
+          </a:bodyPr>
+          <a:lstStyle/>
+          <a:p>
+            <a:r>
+              <a:rPr lang="en-AU" dirty="0"/>
+              <a:t>HCC Deaths</a:t>
+            </a:r>
+          </a:p>
+        </p:txBody>
+      </p:sp>
+      <p:pic>
+        <p:nvPicPr>
+          <p:cNvPr id="3074" name="Picture 2">
+            <a:extLst>
+              <a:ext uri="{FF2B5EF4-FFF2-40B4-BE49-F238E27FC236}">
+                <a16:creationId xmlns:a16="http://schemas.microsoft.com/office/drawing/2014/main" id="{4646ADDC-FE59-5CDC-F264-395A1C897D1B}"/>
+              </a:ext>
+            </a:extLst>
+          </p:cNvPr>
+          <p:cNvPicPr>
+            <a:picLocks noChangeAspect="1" noChangeArrowheads="1"/>
+          </p:cNvPicPr>
+          <p:nvPr/>
+        </p:nvPicPr>
+        <p:blipFill>
+          <a:blip r:embed="rId2">
+            <a:extLst>
+              <a:ext uri="{28A0092B-C50C-407E-A947-70E740481C1C}">
+                <a14:useLocalDpi xmlns:a14="http://schemas.microsoft.com/office/drawing/2010/main" val="0"/>
+              </a:ext>
+            </a:extLst>
+          </a:blip>
+          <a:srcRect/>
+          <a:stretch>
+            <a:fillRect/>
+          </a:stretch>
+        </p:blipFill>
+        <p:spPr bwMode="auto">
+          <a:xfrm>
+            <a:off x="6960770" y="4210050"/>
+            <a:ext cx="3981450" cy="2647950"/>
+          </a:xfrm>
+          <a:prstGeom prst="rect">
+            <a:avLst/>
+          </a:prstGeom>
+          <a:noFill/>
+          <a:extLst>
+            <a:ext uri="{909E8E84-426E-40DD-AFC4-6F175D3DCCD1}">
+              <a14:hiddenFill xmlns:a14="http://schemas.microsoft.com/office/drawing/2010/main">
+                <a:solidFill>
+                  <a:srgbClr val="FFFFFF"/>
+                </a:solidFill>
+              </a14:hiddenFill>
+            </a:ext>
+          </a:extLst>
+        </p:spPr>
+      </p:pic>
+      <p:pic>
+        <p:nvPicPr>
+          <p:cNvPr id="3076" name="Picture 4">
+            <a:extLst>
+              <a:ext uri="{FF2B5EF4-FFF2-40B4-BE49-F238E27FC236}">
+                <a16:creationId xmlns:a16="http://schemas.microsoft.com/office/drawing/2014/main" id="{27C3E839-2C71-A947-8E0B-DE349C266789}"/>
+              </a:ext>
+            </a:extLst>
+          </p:cNvPr>
+          <p:cNvPicPr>
+            <a:picLocks noChangeAspect="1" noChangeArrowheads="1"/>
+          </p:cNvPicPr>
+          <p:nvPr/>
+        </p:nvPicPr>
+        <p:blipFill>
+          <a:blip r:embed="rId3">
+            <a:extLst>
+              <a:ext uri="{28A0092B-C50C-407E-A947-70E740481C1C}">
+                <a14:useLocalDpi xmlns:a14="http://schemas.microsoft.com/office/drawing/2010/main" val="0"/>
+              </a:ext>
+            </a:extLst>
+          </a:blip>
+          <a:srcRect/>
+          <a:stretch>
+            <a:fillRect/>
+          </a:stretch>
+        </p:blipFill>
+        <p:spPr bwMode="auto">
+          <a:xfrm>
+            <a:off x="6912644" y="1463341"/>
+            <a:ext cx="3981450" cy="2647950"/>
+          </a:xfrm>
+          <a:prstGeom prst="rect">
+            <a:avLst/>
+          </a:prstGeom>
+          <a:noFill/>
+          <a:extLst>
+            <a:ext uri="{909E8E84-426E-40DD-AFC4-6F175D3DCCD1}">
+              <a14:hiddenFill xmlns:a14="http://schemas.microsoft.com/office/drawing/2010/main">
+                <a:solidFill>
+                  <a:srgbClr val="FFFFFF"/>
+                </a:solidFill>
+              </a14:hiddenFill>
+            </a:ext>
+          </a:extLst>
+        </p:spPr>
+      </p:pic>
+      <p:pic>
+        <p:nvPicPr>
+          <p:cNvPr id="3078" name="Picture 6">
+            <a:extLst>
+              <a:ext uri="{FF2B5EF4-FFF2-40B4-BE49-F238E27FC236}">
+                <a16:creationId xmlns:a16="http://schemas.microsoft.com/office/drawing/2014/main" id="{E2E8C949-5A77-219F-F5E4-D6690E8406B2}"/>
+              </a:ext>
+            </a:extLst>
+          </p:cNvPr>
+          <p:cNvPicPr>
+            <a:picLocks noChangeAspect="1" noChangeArrowheads="1"/>
+          </p:cNvPicPr>
+          <p:nvPr/>
+        </p:nvPicPr>
+        <p:blipFill>
+          <a:blip r:embed="rId4">
+            <a:extLst>
+              <a:ext uri="{28A0092B-C50C-407E-A947-70E740481C1C}">
+                <a14:useLocalDpi xmlns:a14="http://schemas.microsoft.com/office/drawing/2010/main" val="0"/>
+              </a:ext>
+            </a:extLst>
+          </a:blip>
+          <a:srcRect/>
+          <a:stretch>
+            <a:fillRect/>
+          </a:stretch>
+        </p:blipFill>
+        <p:spPr bwMode="auto">
+          <a:xfrm>
+            <a:off x="1474370" y="4210050"/>
+            <a:ext cx="3981450" cy="2647950"/>
+          </a:xfrm>
+          <a:prstGeom prst="rect">
+            <a:avLst/>
+          </a:prstGeom>
+          <a:noFill/>
+          <a:extLst>
+            <a:ext uri="{909E8E84-426E-40DD-AFC4-6F175D3DCCD1}">
+              <a14:hiddenFill xmlns:a14="http://schemas.microsoft.com/office/drawing/2010/main">
+                <a:solidFill>
+                  <a:srgbClr val="FFFFFF"/>
+                </a:solidFill>
+              </a14:hiddenFill>
+            </a:ext>
+          </a:extLst>
+        </p:spPr>
+      </p:pic>
+      <p:pic>
+        <p:nvPicPr>
+          <p:cNvPr id="3080" name="Picture 8">
+            <a:extLst>
+              <a:ext uri="{FF2B5EF4-FFF2-40B4-BE49-F238E27FC236}">
+                <a16:creationId xmlns:a16="http://schemas.microsoft.com/office/drawing/2014/main" id="{2B6F93B9-CD4A-A9FC-5FB3-0929CA510FCA}"/>
+              </a:ext>
+            </a:extLst>
+          </p:cNvPr>
+          <p:cNvPicPr>
+            <a:picLocks noChangeAspect="1" noChangeArrowheads="1"/>
+          </p:cNvPicPr>
+          <p:nvPr/>
+        </p:nvPicPr>
+        <p:blipFill>
+          <a:blip r:embed="rId5">
+            <a:extLst>
+              <a:ext uri="{28A0092B-C50C-407E-A947-70E740481C1C}">
+                <a14:useLocalDpi xmlns:a14="http://schemas.microsoft.com/office/drawing/2010/main" val="0"/>
+              </a:ext>
+            </a:extLst>
+          </a:blip>
+          <a:srcRect/>
+          <a:stretch>
+            <a:fillRect/>
+          </a:stretch>
+        </p:blipFill>
+        <p:spPr bwMode="auto">
+          <a:xfrm>
+            <a:off x="1379872" y="1463341"/>
+            <a:ext cx="4010025" cy="2647950"/>
+          </a:xfrm>
+          <a:prstGeom prst="rect">
+            <a:avLst/>
+          </a:prstGeom>
+          <a:noFill/>
+          <a:extLst>
+            <a:ext uri="{909E8E84-426E-40DD-AFC4-6F175D3DCCD1}">
+              <a14:hiddenFill xmlns:a14="http://schemas.microsoft.com/office/drawing/2010/main">
+                <a:solidFill>
+                  <a:srgbClr val="FFFFFF"/>
+                </a:solidFill>
+              </a14:hiddenFill>
+            </a:ext>
+          </a:extLst>
+        </p:spPr>
+      </p:pic>
+      <p:grpSp>
+        <p:nvGrpSpPr>
+          <p:cNvPr id="10" name="Group 9">
+            <a:extLst>
+              <a:ext uri="{FF2B5EF4-FFF2-40B4-BE49-F238E27FC236}">
+                <a16:creationId xmlns:a16="http://schemas.microsoft.com/office/drawing/2014/main" id="{0CB3F285-E93E-B48A-717F-105E69E11730}"/>
+              </a:ext>
+            </a:extLst>
+          </p:cNvPr>
+          <p:cNvGrpSpPr/>
+          <p:nvPr/>
+        </p:nvGrpSpPr>
+        <p:grpSpPr>
+          <a:xfrm>
+            <a:off x="7712242" y="208548"/>
+            <a:ext cx="3942848" cy="689811"/>
+            <a:chOff x="7760368" y="112295"/>
+            <a:chExt cx="3942848" cy="689811"/>
+          </a:xfrm>
+        </p:grpSpPr>
+        <p:pic>
+          <p:nvPicPr>
+            <p:cNvPr id="11" name="Picture 10">
+              <a:extLst>
+                <a:ext uri="{FF2B5EF4-FFF2-40B4-BE49-F238E27FC236}">
+                  <a16:creationId xmlns:a16="http://schemas.microsoft.com/office/drawing/2014/main" id="{4E69825B-6C10-EC26-5CAB-7741504C29BC}"/>
+                </a:ext>
+              </a:extLst>
+            </p:cNvPr>
+            <p:cNvPicPr>
+              <a:picLocks noChangeAspect="1"/>
+            </p:cNvPicPr>
+            <p:nvPr/>
+          </p:nvPicPr>
+          <p:blipFill rotWithShape="1">
+            <a:blip r:embed="rId6"/>
+            <a:srcRect b="72022"/>
+            <a:stretch/>
+          </p:blipFill>
+          <p:spPr>
+            <a:xfrm>
+              <a:off x="7760368" y="112295"/>
+              <a:ext cx="3918784" cy="689811"/>
+            </a:xfrm>
+            <a:prstGeom prst="rect">
+              <a:avLst/>
+            </a:prstGeom>
+          </p:spPr>
+        </p:pic>
+        <p:pic>
+          <p:nvPicPr>
+            <p:cNvPr id="12" name="Picture 11">
+              <a:extLst>
+                <a:ext uri="{FF2B5EF4-FFF2-40B4-BE49-F238E27FC236}">
+                  <a16:creationId xmlns:a16="http://schemas.microsoft.com/office/drawing/2014/main" id="{49788DEA-5079-ABEB-814E-63784277859D}"/>
+                </a:ext>
+              </a:extLst>
+            </p:cNvPr>
+            <p:cNvPicPr>
+              <a:picLocks noChangeAspect="1"/>
+            </p:cNvPicPr>
+            <p:nvPr/>
+          </p:nvPicPr>
+          <p:blipFill rotWithShape="1">
+            <a:blip r:embed="rId6"/>
+            <a:srcRect l="-819" t="40665" r="819" b="44696"/>
+            <a:stretch/>
+          </p:blipFill>
+          <p:spPr>
+            <a:xfrm>
+              <a:off x="7784432" y="433137"/>
+              <a:ext cx="3918784" cy="360948"/>
+            </a:xfrm>
+            <a:prstGeom prst="rect">
+              <a:avLst/>
+            </a:prstGeom>
+          </p:spPr>
+        </p:pic>
+      </p:grpSp>
+    </p:spTree>
+    <p:extLst>
+      <p:ext uri="{BB962C8B-B14F-4D97-AF65-F5344CB8AC3E}">
+        <p14:creationId xmlns:p14="http://schemas.microsoft.com/office/powerpoint/2010/main" val="797581711"/>
+      </p:ext>
+    </p:extLst>
+  </p:cSld>
+  <p:clrMapOvr>
+    <a:masterClrMapping/>
+  </p:clrMapOvr>
+</p:sld>
+</file>
+
+<file path=ppt/slides/slide5.xml><?xml version="1.0" encoding="utf-8"?>
+<p:sld xmlns:a="http://schemas.openxmlformats.org/drawingml/2006/main" xmlns:r="http://schemas.openxmlformats.org/officeDocument/2006/relationships" xmlns:p="http://schemas.openxmlformats.org/presentationml/2006/main">
+  <p:cSld>
+    <p:spTree>
+      <p:nvGrpSpPr>
+        <p:cNvPr id="1" name=""/>
+        <p:cNvGrpSpPr/>
+        <p:nvPr/>
+      </p:nvGrpSpPr>
+      <p:grpSpPr>
+        <a:xfrm>
+          <a:off x="0" y="0"/>
+          <a:ext cx="0" cy="0"/>
+          <a:chOff x="0" y="0"/>
+          <a:chExt cx="0" cy="0"/>
+        </a:xfrm>
+      </p:grpSpPr>
+      <p:sp>
+        <p:nvSpPr>
+          <p:cNvPr id="2" name="Title 1">
+            <a:extLst>
+              <a:ext uri="{FF2B5EF4-FFF2-40B4-BE49-F238E27FC236}">
+                <a16:creationId xmlns:a16="http://schemas.microsoft.com/office/drawing/2014/main" id="{41014BD2-BB26-BB50-44BA-947F9A528085}"/>
+              </a:ext>
+            </a:extLst>
+          </p:cNvPr>
+          <p:cNvSpPr>
+            <a:spLocks noGrp="1"/>
+          </p:cNvSpPr>
+          <p:nvPr>
+            <p:ph type="title"/>
+          </p:nvPr>
+        </p:nvSpPr>
+        <p:spPr/>
+        <p:txBody>
+          <a:bodyPr/>
+          <a:lstStyle/>
+          <a:p>
+            <a:r>
+              <a:rPr lang="en-AU" dirty="0"/>
+              <a:t>EUR</a:t>
+            </a:r>
+          </a:p>
+        </p:txBody>
+      </p:sp>
+      <p:sp>
+        <p:nvSpPr>
+          <p:cNvPr id="3" name="TextBox 2">
+            <a:extLst>
+              <a:ext uri="{FF2B5EF4-FFF2-40B4-BE49-F238E27FC236}">
+                <a16:creationId xmlns:a16="http://schemas.microsoft.com/office/drawing/2014/main" id="{90490B4B-8637-93B8-0646-FDD2FE0AAB4E}"/>
+              </a:ext>
+            </a:extLst>
+          </p:cNvPr>
+          <p:cNvSpPr txBox="1"/>
+          <p:nvPr/>
+        </p:nvSpPr>
+        <p:spPr>
+          <a:xfrm rot="16200000">
+            <a:off x="-869133" y="2154724"/>
+            <a:ext cx="3431264" cy="369332"/>
+          </a:xfrm>
+          <a:prstGeom prst="rect">
+            <a:avLst/>
+          </a:prstGeom>
+          <a:noFill/>
+        </p:spPr>
+        <p:txBody>
+          <a:bodyPr wrap="square" rtlCol="0">
+            <a:spAutoFit/>
+          </a:bodyPr>
+          <a:lstStyle/>
+          <a:p>
+            <a:r>
+              <a:rPr lang="en-AU" dirty="0"/>
+              <a:t>Chronic Hep B Population</a:t>
+            </a:r>
+          </a:p>
+        </p:txBody>
+      </p:sp>
+      <p:sp>
+        <p:nvSpPr>
+          <p:cNvPr id="7" name="TextBox 6">
+            <a:extLst>
+              <a:ext uri="{FF2B5EF4-FFF2-40B4-BE49-F238E27FC236}">
+                <a16:creationId xmlns:a16="http://schemas.microsoft.com/office/drawing/2014/main" id="{D0278D10-9D3D-45ED-7410-C78401E8E3C7}"/>
+              </a:ext>
+            </a:extLst>
+          </p:cNvPr>
+          <p:cNvSpPr txBox="1"/>
+          <p:nvPr/>
+        </p:nvSpPr>
+        <p:spPr>
+          <a:xfrm rot="16200000">
+            <a:off x="-879695" y="4778720"/>
+            <a:ext cx="3431264" cy="369332"/>
+          </a:xfrm>
+          <a:prstGeom prst="rect">
+            <a:avLst/>
+          </a:prstGeom>
+          <a:noFill/>
+        </p:spPr>
+        <p:txBody>
+          <a:bodyPr wrap="square" rtlCol="0">
+            <a:spAutoFit/>
+          </a:bodyPr>
+          <a:lstStyle/>
+          <a:p>
+            <a:r>
+              <a:rPr lang="en-AU" dirty="0"/>
+              <a:t>Acute </a:t>
+            </a:r>
+            <a:r>
+              <a:rPr lang="en-AU" dirty="0" err="1"/>
+              <a:t>HepB</a:t>
+            </a:r>
+            <a:r>
+              <a:rPr lang="en-AU" dirty="0"/>
+              <a:t> Deaths</a:t>
+            </a:r>
+          </a:p>
+        </p:txBody>
+      </p:sp>
+      <p:sp>
+        <p:nvSpPr>
+          <p:cNvPr id="8" name="TextBox 7">
+            <a:extLst>
+              <a:ext uri="{FF2B5EF4-FFF2-40B4-BE49-F238E27FC236}">
+                <a16:creationId xmlns:a16="http://schemas.microsoft.com/office/drawing/2014/main" id="{88658975-A593-FF32-B998-4B41D0D81ECD}"/>
+              </a:ext>
+            </a:extLst>
+          </p:cNvPr>
+          <p:cNvSpPr txBox="1"/>
+          <p:nvPr/>
+        </p:nvSpPr>
+        <p:spPr>
+          <a:xfrm rot="16200000">
+            <a:off x="4958281" y="1689980"/>
+            <a:ext cx="3431264" cy="369332"/>
+          </a:xfrm>
+          <a:prstGeom prst="rect">
+            <a:avLst/>
+          </a:prstGeom>
+          <a:noFill/>
+        </p:spPr>
+        <p:txBody>
+          <a:bodyPr wrap="square" rtlCol="0">
+            <a:spAutoFit/>
+          </a:bodyPr>
+          <a:lstStyle/>
+          <a:p>
+            <a:r>
+              <a:rPr lang="en-AU" dirty="0"/>
+              <a:t>Cirrhosis Deaths</a:t>
+            </a:r>
+          </a:p>
+        </p:txBody>
+      </p:sp>
+      <p:sp>
+        <p:nvSpPr>
+          <p:cNvPr id="9" name="TextBox 8">
+            <a:extLst>
+              <a:ext uri="{FF2B5EF4-FFF2-40B4-BE49-F238E27FC236}">
+                <a16:creationId xmlns:a16="http://schemas.microsoft.com/office/drawing/2014/main" id="{339FA71A-9BFF-0767-6D68-69C37D07BEA8}"/>
+              </a:ext>
+            </a:extLst>
+          </p:cNvPr>
+          <p:cNvSpPr txBox="1"/>
+          <p:nvPr/>
+        </p:nvSpPr>
+        <p:spPr>
+          <a:xfrm rot="16200000">
+            <a:off x="5002039" y="4286816"/>
+            <a:ext cx="3431264" cy="369332"/>
+          </a:xfrm>
+          <a:prstGeom prst="rect">
+            <a:avLst/>
+          </a:prstGeom>
+          <a:noFill/>
+        </p:spPr>
+        <p:txBody>
+          <a:bodyPr wrap="square" rtlCol="0">
+            <a:spAutoFit/>
+          </a:bodyPr>
+          <a:lstStyle/>
+          <a:p>
+            <a:r>
+              <a:rPr lang="en-AU" dirty="0"/>
+              <a:t>HCC Deaths</a:t>
+            </a:r>
+          </a:p>
+        </p:txBody>
+      </p:sp>
+      <p:pic>
+        <p:nvPicPr>
+          <p:cNvPr id="4098" name="Picture 2">
+            <a:extLst>
+              <a:ext uri="{FF2B5EF4-FFF2-40B4-BE49-F238E27FC236}">
+                <a16:creationId xmlns:a16="http://schemas.microsoft.com/office/drawing/2014/main" id="{CB40A083-CA7F-8E36-0749-DC5DA74B9AC7}"/>
+              </a:ext>
+            </a:extLst>
+          </p:cNvPr>
+          <p:cNvPicPr>
+            <a:picLocks noChangeAspect="1" noChangeArrowheads="1"/>
+          </p:cNvPicPr>
+          <p:nvPr/>
+        </p:nvPicPr>
+        <p:blipFill>
+          <a:blip r:embed="rId2">
+            <a:extLst>
+              <a:ext uri="{28A0092B-C50C-407E-A947-70E740481C1C}">
+                <a14:useLocalDpi xmlns:a14="http://schemas.microsoft.com/office/drawing/2010/main" val="0"/>
+              </a:ext>
+            </a:extLst>
+          </a:blip>
+          <a:srcRect/>
+          <a:stretch>
+            <a:fillRect/>
+          </a:stretch>
+        </p:blipFill>
+        <p:spPr bwMode="auto">
+          <a:xfrm>
+            <a:off x="7137233" y="4210050"/>
+            <a:ext cx="3981450" cy="2647950"/>
+          </a:xfrm>
+          <a:prstGeom prst="rect">
+            <a:avLst/>
+          </a:prstGeom>
+          <a:noFill/>
+          <a:extLst>
+            <a:ext uri="{909E8E84-426E-40DD-AFC4-6F175D3DCCD1}">
+              <a14:hiddenFill xmlns:a14="http://schemas.microsoft.com/office/drawing/2010/main">
+                <a:solidFill>
+                  <a:srgbClr val="FFFFFF"/>
+                </a:solidFill>
+              </a14:hiddenFill>
+            </a:ext>
+          </a:extLst>
+        </p:spPr>
+      </p:pic>
+      <p:pic>
+        <p:nvPicPr>
+          <p:cNvPr id="4100" name="Picture 4">
+            <a:extLst>
+              <a:ext uri="{FF2B5EF4-FFF2-40B4-BE49-F238E27FC236}">
+                <a16:creationId xmlns:a16="http://schemas.microsoft.com/office/drawing/2014/main" id="{DD22C53F-736C-863C-B0DF-A8D35CC267E1}"/>
+              </a:ext>
+            </a:extLst>
+          </p:cNvPr>
+          <p:cNvPicPr>
+            <a:picLocks noChangeAspect="1" noChangeArrowheads="1"/>
+          </p:cNvPicPr>
+          <p:nvPr/>
+        </p:nvPicPr>
+        <p:blipFill>
+          <a:blip r:embed="rId3">
+            <a:extLst>
+              <a:ext uri="{28A0092B-C50C-407E-A947-70E740481C1C}">
+                <a14:useLocalDpi xmlns:a14="http://schemas.microsoft.com/office/drawing/2010/main" val="0"/>
+              </a:ext>
+            </a:extLst>
+          </a:blip>
+          <a:srcRect/>
+          <a:stretch>
+            <a:fillRect/>
+          </a:stretch>
+        </p:blipFill>
+        <p:spPr bwMode="auto">
+          <a:xfrm>
+            <a:off x="7233486" y="1463340"/>
+            <a:ext cx="3981450" cy="2647950"/>
+          </a:xfrm>
+          <a:prstGeom prst="rect">
+            <a:avLst/>
+          </a:prstGeom>
+          <a:noFill/>
+          <a:extLst>
+            <a:ext uri="{909E8E84-426E-40DD-AFC4-6F175D3DCCD1}">
+              <a14:hiddenFill xmlns:a14="http://schemas.microsoft.com/office/drawing/2010/main">
+                <a:solidFill>
+                  <a:srgbClr val="FFFFFF"/>
+                </a:solidFill>
+              </a14:hiddenFill>
+            </a:ext>
+          </a:extLst>
+        </p:spPr>
+      </p:pic>
+      <p:pic>
+        <p:nvPicPr>
+          <p:cNvPr id="4102" name="Picture 6">
+            <a:extLst>
+              <a:ext uri="{FF2B5EF4-FFF2-40B4-BE49-F238E27FC236}">
+                <a16:creationId xmlns:a16="http://schemas.microsoft.com/office/drawing/2014/main" id="{A9BAF62D-19DD-25A1-BEA8-D8E332E21D1C}"/>
+              </a:ext>
+            </a:extLst>
+          </p:cNvPr>
+          <p:cNvPicPr>
+            <a:picLocks noChangeAspect="1" noChangeArrowheads="1"/>
+          </p:cNvPicPr>
+          <p:nvPr/>
+        </p:nvPicPr>
+        <p:blipFill>
+          <a:blip r:embed="rId4">
+            <a:extLst>
+              <a:ext uri="{28A0092B-C50C-407E-A947-70E740481C1C}">
+                <a14:useLocalDpi xmlns:a14="http://schemas.microsoft.com/office/drawing/2010/main" val="0"/>
+              </a:ext>
+            </a:extLst>
+          </a:blip>
+          <a:srcRect/>
+          <a:stretch>
+            <a:fillRect/>
+          </a:stretch>
+        </p:blipFill>
+        <p:spPr bwMode="auto">
+          <a:xfrm>
+            <a:off x="1458328" y="4210050"/>
+            <a:ext cx="3981450" cy="2647950"/>
+          </a:xfrm>
+          <a:prstGeom prst="rect">
+            <a:avLst/>
+          </a:prstGeom>
+          <a:noFill/>
+          <a:extLst>
+            <a:ext uri="{909E8E84-426E-40DD-AFC4-6F175D3DCCD1}">
+              <a14:hiddenFill xmlns:a14="http://schemas.microsoft.com/office/drawing/2010/main">
+                <a:solidFill>
+                  <a:srgbClr val="FFFFFF"/>
+                </a:solidFill>
+              </a14:hiddenFill>
+            </a:ext>
+          </a:extLst>
+        </p:spPr>
+      </p:pic>
+      <p:pic>
+        <p:nvPicPr>
+          <p:cNvPr id="4104" name="Picture 8">
+            <a:extLst>
+              <a:ext uri="{FF2B5EF4-FFF2-40B4-BE49-F238E27FC236}">
+                <a16:creationId xmlns:a16="http://schemas.microsoft.com/office/drawing/2014/main" id="{E8753E30-2109-40DF-3797-6ADCB72B84CD}"/>
+              </a:ext>
+            </a:extLst>
+          </p:cNvPr>
+          <p:cNvPicPr>
+            <a:picLocks noChangeAspect="1" noChangeArrowheads="1"/>
+          </p:cNvPicPr>
+          <p:nvPr/>
+        </p:nvPicPr>
+        <p:blipFill>
+          <a:blip r:embed="rId5">
+            <a:extLst>
+              <a:ext uri="{28A0092B-C50C-407E-A947-70E740481C1C}">
+                <a14:useLocalDpi xmlns:a14="http://schemas.microsoft.com/office/drawing/2010/main" val="0"/>
+              </a:ext>
+            </a:extLst>
+          </a:blip>
+          <a:srcRect/>
+          <a:stretch>
+            <a:fillRect/>
+          </a:stretch>
+        </p:blipFill>
+        <p:spPr bwMode="auto">
+          <a:xfrm>
+            <a:off x="1347788" y="1511467"/>
+            <a:ext cx="4010025" cy="2647950"/>
+          </a:xfrm>
+          <a:prstGeom prst="rect">
+            <a:avLst/>
+          </a:prstGeom>
+          <a:noFill/>
+          <a:extLst>
+            <a:ext uri="{909E8E84-426E-40DD-AFC4-6F175D3DCCD1}">
+              <a14:hiddenFill xmlns:a14="http://schemas.microsoft.com/office/drawing/2010/main">
+                <a:solidFill>
+                  <a:srgbClr val="FFFFFF"/>
+                </a:solidFill>
+              </a14:hiddenFill>
+            </a:ext>
+          </a:extLst>
+        </p:spPr>
+      </p:pic>
+      <p:grpSp>
+        <p:nvGrpSpPr>
+          <p:cNvPr id="13" name="Group 12">
+            <a:extLst>
+              <a:ext uri="{FF2B5EF4-FFF2-40B4-BE49-F238E27FC236}">
+                <a16:creationId xmlns:a16="http://schemas.microsoft.com/office/drawing/2014/main" id="{3E4297A8-133B-5943-A070-6C9674CD74CA}"/>
+              </a:ext>
+            </a:extLst>
+          </p:cNvPr>
+          <p:cNvGrpSpPr/>
+          <p:nvPr/>
+        </p:nvGrpSpPr>
+        <p:grpSpPr>
+          <a:xfrm>
+            <a:off x="7615990" y="288758"/>
+            <a:ext cx="3942848" cy="689811"/>
+            <a:chOff x="7760368" y="112295"/>
+            <a:chExt cx="3942848" cy="689811"/>
+          </a:xfrm>
+        </p:grpSpPr>
+        <p:pic>
+          <p:nvPicPr>
+            <p:cNvPr id="14" name="Picture 13">
+              <a:extLst>
+                <a:ext uri="{FF2B5EF4-FFF2-40B4-BE49-F238E27FC236}">
+                  <a16:creationId xmlns:a16="http://schemas.microsoft.com/office/drawing/2014/main" id="{4612FE2B-2383-99C7-C13C-8F8B7E64A9F0}"/>
+                </a:ext>
+              </a:extLst>
+            </p:cNvPr>
+            <p:cNvPicPr>
+              <a:picLocks noChangeAspect="1"/>
+            </p:cNvPicPr>
+            <p:nvPr/>
+          </p:nvPicPr>
+          <p:blipFill rotWithShape="1">
+            <a:blip r:embed="rId6"/>
+            <a:srcRect b="72022"/>
+            <a:stretch/>
+          </p:blipFill>
+          <p:spPr>
+            <a:xfrm>
+              <a:off x="7760368" y="112295"/>
+              <a:ext cx="3918784" cy="689811"/>
+            </a:xfrm>
+            <a:prstGeom prst="rect">
+              <a:avLst/>
+            </a:prstGeom>
+          </p:spPr>
+        </p:pic>
+        <p:pic>
+          <p:nvPicPr>
+            <p:cNvPr id="15" name="Picture 14">
+              <a:extLst>
+                <a:ext uri="{FF2B5EF4-FFF2-40B4-BE49-F238E27FC236}">
+                  <a16:creationId xmlns:a16="http://schemas.microsoft.com/office/drawing/2014/main" id="{AB13842A-2C5C-F34D-3743-FB2B7001A189}"/>
+                </a:ext>
+              </a:extLst>
+            </p:cNvPr>
+            <p:cNvPicPr>
+              <a:picLocks noChangeAspect="1"/>
+            </p:cNvPicPr>
+            <p:nvPr/>
+          </p:nvPicPr>
+          <p:blipFill rotWithShape="1">
+            <a:blip r:embed="rId6"/>
+            <a:srcRect l="-1228" t="54979" r="1228" b="30382"/>
+            <a:stretch/>
+          </p:blipFill>
+          <p:spPr>
+            <a:xfrm>
+              <a:off x="7784432" y="433137"/>
+              <a:ext cx="3918784" cy="360948"/>
+            </a:xfrm>
+            <a:prstGeom prst="rect">
+              <a:avLst/>
+            </a:prstGeom>
+          </p:spPr>
+        </p:pic>
+      </p:grpSp>
+    </p:spTree>
+    <p:extLst>
+      <p:ext uri="{BB962C8B-B14F-4D97-AF65-F5344CB8AC3E}">
+        <p14:creationId xmlns:p14="http://schemas.microsoft.com/office/powerpoint/2010/main" val="4147435614"/>
+      </p:ext>
+    </p:extLst>
+  </p:cSld>
+  <p:clrMapOvr>
+    <a:masterClrMapping/>
+  </p:clrMapOvr>
+</p:sld>
+</file>
+
+<file path=ppt/slides/slide6.xml><?xml version="1.0" encoding="utf-8"?>
+<p:sld xmlns:a="http://schemas.openxmlformats.org/drawingml/2006/main" xmlns:r="http://schemas.openxmlformats.org/officeDocument/2006/relationships" xmlns:p="http://schemas.openxmlformats.org/presentationml/2006/main">
+  <p:cSld>
+    <p:spTree>
+      <p:nvGrpSpPr>
+        <p:cNvPr id="1" name=""/>
+        <p:cNvGrpSpPr/>
+        <p:nvPr/>
+      </p:nvGrpSpPr>
+      <p:grpSpPr>
+        <a:xfrm>
+          <a:off x="0" y="0"/>
+          <a:ext cx="0" cy="0"/>
+          <a:chOff x="0" y="0"/>
+          <a:chExt cx="0" cy="0"/>
+        </a:xfrm>
+      </p:grpSpPr>
+      <p:sp>
+        <p:nvSpPr>
+          <p:cNvPr id="2" name="Title 1">
+            <a:extLst>
+              <a:ext uri="{FF2B5EF4-FFF2-40B4-BE49-F238E27FC236}">
+                <a16:creationId xmlns:a16="http://schemas.microsoft.com/office/drawing/2014/main" id="{69B01641-606E-BC31-1BAE-7C395C3D2B05}"/>
+              </a:ext>
+            </a:extLst>
+          </p:cNvPr>
+          <p:cNvSpPr>
+            <a:spLocks noGrp="1"/>
+          </p:cNvSpPr>
+          <p:nvPr>
+            <p:ph type="title"/>
+          </p:nvPr>
+        </p:nvSpPr>
+        <p:spPr/>
+        <p:txBody>
+          <a:bodyPr/>
+          <a:lstStyle/>
+          <a:p>
+            <a:r>
+              <a:rPr lang="en-AU" dirty="0"/>
+              <a:t>SEAR</a:t>
+            </a:r>
+          </a:p>
+        </p:txBody>
+      </p:sp>
+      <p:sp>
+        <p:nvSpPr>
+          <p:cNvPr id="3" name="TextBox 2">
+            <a:extLst>
+              <a:ext uri="{FF2B5EF4-FFF2-40B4-BE49-F238E27FC236}">
+                <a16:creationId xmlns:a16="http://schemas.microsoft.com/office/drawing/2014/main" id="{834E1DFF-3536-2AB6-41F2-20A4CB737D23}"/>
+              </a:ext>
+            </a:extLst>
+          </p:cNvPr>
+          <p:cNvSpPr txBox="1"/>
+          <p:nvPr/>
+        </p:nvSpPr>
+        <p:spPr>
+          <a:xfrm rot="16200000">
+            <a:off x="-869133" y="2154724"/>
+            <a:ext cx="3431264" cy="369332"/>
+          </a:xfrm>
+          <a:prstGeom prst="rect">
+            <a:avLst/>
+          </a:prstGeom>
+          <a:noFill/>
+        </p:spPr>
+        <p:txBody>
+          <a:bodyPr wrap="square" rtlCol="0">
+            <a:spAutoFit/>
+          </a:bodyPr>
+          <a:lstStyle/>
+          <a:p>
+            <a:r>
+              <a:rPr lang="en-AU" dirty="0"/>
+              <a:t>Chronic Hep B Population</a:t>
+            </a:r>
+          </a:p>
+        </p:txBody>
+      </p:sp>
+      <p:sp>
+        <p:nvSpPr>
+          <p:cNvPr id="7" name="TextBox 6">
+            <a:extLst>
+              <a:ext uri="{FF2B5EF4-FFF2-40B4-BE49-F238E27FC236}">
+                <a16:creationId xmlns:a16="http://schemas.microsoft.com/office/drawing/2014/main" id="{462D0069-F6EB-94A5-AB15-274469A86EF5}"/>
+              </a:ext>
+            </a:extLst>
+          </p:cNvPr>
+          <p:cNvSpPr txBox="1"/>
+          <p:nvPr/>
+        </p:nvSpPr>
+        <p:spPr>
+          <a:xfrm rot="16200000">
+            <a:off x="-879695" y="4778720"/>
+            <a:ext cx="3431264" cy="369332"/>
+          </a:xfrm>
+          <a:prstGeom prst="rect">
+            <a:avLst/>
+          </a:prstGeom>
+          <a:noFill/>
+        </p:spPr>
+        <p:txBody>
+          <a:bodyPr wrap="square" rtlCol="0">
+            <a:spAutoFit/>
+          </a:bodyPr>
+          <a:lstStyle/>
+          <a:p>
+            <a:r>
+              <a:rPr lang="en-AU" dirty="0"/>
+              <a:t>Acute </a:t>
+            </a:r>
+            <a:r>
+              <a:rPr lang="en-AU" dirty="0" err="1"/>
+              <a:t>HepB</a:t>
+            </a:r>
+            <a:r>
+              <a:rPr lang="en-AU" dirty="0"/>
+              <a:t> Deaths</a:t>
+            </a:r>
+          </a:p>
+        </p:txBody>
+      </p:sp>
+      <p:sp>
+        <p:nvSpPr>
+          <p:cNvPr id="8" name="TextBox 7">
+            <a:extLst>
+              <a:ext uri="{FF2B5EF4-FFF2-40B4-BE49-F238E27FC236}">
+                <a16:creationId xmlns:a16="http://schemas.microsoft.com/office/drawing/2014/main" id="{DB43635F-8385-3F9E-D694-F4CD2D707219}"/>
+              </a:ext>
+            </a:extLst>
+          </p:cNvPr>
+          <p:cNvSpPr txBox="1"/>
+          <p:nvPr/>
+        </p:nvSpPr>
+        <p:spPr>
+          <a:xfrm rot="16200000">
+            <a:off x="4958281" y="1689980"/>
+            <a:ext cx="3431264" cy="369332"/>
+          </a:xfrm>
+          <a:prstGeom prst="rect">
+            <a:avLst/>
+          </a:prstGeom>
+          <a:noFill/>
+        </p:spPr>
+        <p:txBody>
+          <a:bodyPr wrap="square" rtlCol="0">
+            <a:spAutoFit/>
+          </a:bodyPr>
+          <a:lstStyle/>
+          <a:p>
+            <a:r>
+              <a:rPr lang="en-AU" dirty="0"/>
+              <a:t>Cirrhosis Deaths</a:t>
+            </a:r>
+          </a:p>
+        </p:txBody>
+      </p:sp>
+      <p:sp>
+        <p:nvSpPr>
+          <p:cNvPr id="9" name="TextBox 8">
+            <a:extLst>
+              <a:ext uri="{FF2B5EF4-FFF2-40B4-BE49-F238E27FC236}">
+                <a16:creationId xmlns:a16="http://schemas.microsoft.com/office/drawing/2014/main" id="{00A5AD9E-345B-5A7A-24F6-FD8055D28AB1}"/>
+              </a:ext>
+            </a:extLst>
+          </p:cNvPr>
+          <p:cNvSpPr txBox="1"/>
+          <p:nvPr/>
+        </p:nvSpPr>
+        <p:spPr>
+          <a:xfrm rot="16200000">
+            <a:off x="5002039" y="4286816"/>
+            <a:ext cx="3431264" cy="369332"/>
+          </a:xfrm>
+          <a:prstGeom prst="rect">
+            <a:avLst/>
+          </a:prstGeom>
+          <a:noFill/>
+        </p:spPr>
+        <p:txBody>
+          <a:bodyPr wrap="square" rtlCol="0">
+            <a:spAutoFit/>
+          </a:bodyPr>
+          <a:lstStyle/>
+          <a:p>
+            <a:r>
+              <a:rPr lang="en-AU" dirty="0"/>
+              <a:t>HCC Deaths</a:t>
+            </a:r>
+          </a:p>
+        </p:txBody>
+      </p:sp>
+      <p:pic>
+        <p:nvPicPr>
+          <p:cNvPr id="2050" name="Picture 2">
+            <a:extLst>
+              <a:ext uri="{FF2B5EF4-FFF2-40B4-BE49-F238E27FC236}">
+                <a16:creationId xmlns:a16="http://schemas.microsoft.com/office/drawing/2014/main" id="{7649688B-7750-A259-AFE3-DF45FA541D40}"/>
+              </a:ext>
+            </a:extLst>
+          </p:cNvPr>
+          <p:cNvPicPr>
+            <a:picLocks noChangeAspect="1" noChangeArrowheads="1"/>
+          </p:cNvPicPr>
+          <p:nvPr/>
+        </p:nvPicPr>
+        <p:blipFill>
+          <a:blip r:embed="rId2">
+            <a:extLst>
+              <a:ext uri="{28A0092B-C50C-407E-A947-70E740481C1C}">
+                <a14:useLocalDpi xmlns:a14="http://schemas.microsoft.com/office/drawing/2010/main" val="0"/>
+              </a:ext>
+            </a:extLst>
+          </a:blip>
+          <a:srcRect/>
+          <a:stretch>
+            <a:fillRect/>
+          </a:stretch>
+        </p:blipFill>
+        <p:spPr bwMode="auto">
+          <a:xfrm>
+            <a:off x="1187367" y="1575635"/>
+            <a:ext cx="4010025" cy="2647950"/>
+          </a:xfrm>
+          <a:prstGeom prst="rect">
+            <a:avLst/>
+          </a:prstGeom>
+          <a:noFill/>
+          <a:extLst>
+            <a:ext uri="{909E8E84-426E-40DD-AFC4-6F175D3DCCD1}">
+              <a14:hiddenFill xmlns:a14="http://schemas.microsoft.com/office/drawing/2010/main">
+                <a:solidFill>
+                  <a:srgbClr val="FFFFFF"/>
+                </a:solidFill>
+              </a14:hiddenFill>
+            </a:ext>
+          </a:extLst>
+        </p:spPr>
+      </p:pic>
+      <p:pic>
+        <p:nvPicPr>
+          <p:cNvPr id="2052" name="Picture 4">
+            <a:extLst>
+              <a:ext uri="{FF2B5EF4-FFF2-40B4-BE49-F238E27FC236}">
+                <a16:creationId xmlns:a16="http://schemas.microsoft.com/office/drawing/2014/main" id="{D208E975-EF95-3AF1-63ED-6288071308CB}"/>
+              </a:ext>
+            </a:extLst>
+          </p:cNvPr>
+          <p:cNvPicPr>
+            <a:picLocks noChangeAspect="1" noChangeArrowheads="1"/>
+          </p:cNvPicPr>
+          <p:nvPr/>
+        </p:nvPicPr>
+        <p:blipFill>
+          <a:blip r:embed="rId3">
+            <a:extLst>
+              <a:ext uri="{28A0092B-C50C-407E-A947-70E740481C1C}">
+                <a14:useLocalDpi xmlns:a14="http://schemas.microsoft.com/office/drawing/2010/main" val="0"/>
+              </a:ext>
+            </a:extLst>
+          </a:blip>
+          <a:srcRect/>
+          <a:stretch>
+            <a:fillRect/>
+          </a:stretch>
+        </p:blipFill>
+        <p:spPr bwMode="auto">
+          <a:xfrm>
+            <a:off x="1201654" y="4210050"/>
+            <a:ext cx="3981450" cy="2647950"/>
+          </a:xfrm>
+          <a:prstGeom prst="rect">
+            <a:avLst/>
+          </a:prstGeom>
+          <a:noFill/>
+          <a:extLst>
+            <a:ext uri="{909E8E84-426E-40DD-AFC4-6F175D3DCCD1}">
+              <a14:hiddenFill xmlns:a14="http://schemas.microsoft.com/office/drawing/2010/main">
+                <a:solidFill>
+                  <a:srgbClr val="FFFFFF"/>
+                </a:solidFill>
+              </a14:hiddenFill>
+            </a:ext>
+          </a:extLst>
+        </p:spPr>
+      </p:pic>
+      <p:pic>
+        <p:nvPicPr>
+          <p:cNvPr id="2054" name="Picture 6">
+            <a:extLst>
+              <a:ext uri="{FF2B5EF4-FFF2-40B4-BE49-F238E27FC236}">
+                <a16:creationId xmlns:a16="http://schemas.microsoft.com/office/drawing/2014/main" id="{437534B2-662C-7669-89CC-E48B2CC3626B}"/>
+              </a:ext>
+            </a:extLst>
+          </p:cNvPr>
+          <p:cNvPicPr>
+            <a:picLocks noChangeAspect="1" noChangeArrowheads="1"/>
+          </p:cNvPicPr>
+          <p:nvPr/>
+        </p:nvPicPr>
+        <p:blipFill>
+          <a:blip r:embed="rId4">
+            <a:extLst>
+              <a:ext uri="{28A0092B-C50C-407E-A947-70E740481C1C}">
+                <a14:useLocalDpi xmlns:a14="http://schemas.microsoft.com/office/drawing/2010/main" val="0"/>
+              </a:ext>
+            </a:extLst>
+          </a:blip>
+          <a:srcRect/>
+          <a:stretch>
+            <a:fillRect/>
+          </a:stretch>
+        </p:blipFill>
+        <p:spPr bwMode="auto">
+          <a:xfrm>
+            <a:off x="6979820" y="1399172"/>
+            <a:ext cx="3943350" cy="2647950"/>
+          </a:xfrm>
+          <a:prstGeom prst="rect">
+            <a:avLst/>
+          </a:prstGeom>
+          <a:noFill/>
+          <a:extLst>
+            <a:ext uri="{909E8E84-426E-40DD-AFC4-6F175D3DCCD1}">
+              <a14:hiddenFill xmlns:a14="http://schemas.microsoft.com/office/drawing/2010/main">
+                <a:solidFill>
+                  <a:srgbClr val="FFFFFF"/>
+                </a:solidFill>
+              </a14:hiddenFill>
+            </a:ext>
+          </a:extLst>
+        </p:spPr>
+      </p:pic>
+      <p:pic>
+        <p:nvPicPr>
+          <p:cNvPr id="2056" name="Picture 8">
+            <a:extLst>
+              <a:ext uri="{FF2B5EF4-FFF2-40B4-BE49-F238E27FC236}">
+                <a16:creationId xmlns:a16="http://schemas.microsoft.com/office/drawing/2014/main" id="{455BFF47-DAC1-B1D3-B103-26878AF79F5A}"/>
+              </a:ext>
+            </a:extLst>
+          </p:cNvPr>
+          <p:cNvPicPr>
+            <a:picLocks noChangeAspect="1" noChangeArrowheads="1"/>
+          </p:cNvPicPr>
+          <p:nvPr/>
+        </p:nvPicPr>
+        <p:blipFill>
+          <a:blip r:embed="rId5">
+            <a:extLst>
+              <a:ext uri="{28A0092B-C50C-407E-A947-70E740481C1C}">
+                <a14:useLocalDpi xmlns:a14="http://schemas.microsoft.com/office/drawing/2010/main" val="0"/>
+              </a:ext>
+            </a:extLst>
+          </a:blip>
+          <a:srcRect/>
+          <a:stretch>
+            <a:fillRect/>
+          </a:stretch>
+        </p:blipFill>
+        <p:spPr bwMode="auto">
+          <a:xfrm>
+            <a:off x="6912644" y="4078204"/>
+            <a:ext cx="3981450" cy="2647950"/>
+          </a:xfrm>
+          <a:prstGeom prst="rect">
+            <a:avLst/>
+          </a:prstGeom>
+          <a:noFill/>
+          <a:extLst>
+            <a:ext uri="{909E8E84-426E-40DD-AFC4-6F175D3DCCD1}">
+              <a14:hiddenFill xmlns:a14="http://schemas.microsoft.com/office/drawing/2010/main">
+                <a:solidFill>
+                  <a:srgbClr val="FFFFFF"/>
+                </a:solidFill>
+              </a14:hiddenFill>
+            </a:ext>
+          </a:extLst>
+        </p:spPr>
+      </p:pic>
+      <p:grpSp>
+        <p:nvGrpSpPr>
+          <p:cNvPr id="10" name="Group 9">
+            <a:extLst>
+              <a:ext uri="{FF2B5EF4-FFF2-40B4-BE49-F238E27FC236}">
+                <a16:creationId xmlns:a16="http://schemas.microsoft.com/office/drawing/2014/main" id="{E071A235-B2F6-FD2C-0965-CA4734036A3A}"/>
+              </a:ext>
+            </a:extLst>
+          </p:cNvPr>
+          <p:cNvGrpSpPr/>
+          <p:nvPr/>
+        </p:nvGrpSpPr>
+        <p:grpSpPr>
+          <a:xfrm>
+            <a:off x="7728285" y="272716"/>
+            <a:ext cx="3942848" cy="689811"/>
+            <a:chOff x="7760368" y="112295"/>
+            <a:chExt cx="3942848" cy="689811"/>
+          </a:xfrm>
+        </p:grpSpPr>
+        <p:pic>
+          <p:nvPicPr>
+            <p:cNvPr id="11" name="Picture 10">
+              <a:extLst>
+                <a:ext uri="{FF2B5EF4-FFF2-40B4-BE49-F238E27FC236}">
+                  <a16:creationId xmlns:a16="http://schemas.microsoft.com/office/drawing/2014/main" id="{8DDD1A37-B206-2496-7270-E22768745C5F}"/>
+                </a:ext>
+              </a:extLst>
+            </p:cNvPr>
+            <p:cNvPicPr>
+              <a:picLocks noChangeAspect="1"/>
+            </p:cNvPicPr>
+            <p:nvPr/>
+          </p:nvPicPr>
+          <p:blipFill rotWithShape="1">
+            <a:blip r:embed="rId6"/>
+            <a:srcRect b="72022"/>
+            <a:stretch/>
+          </p:blipFill>
+          <p:spPr>
+            <a:xfrm>
+              <a:off x="7760368" y="112295"/>
+              <a:ext cx="3918784" cy="689811"/>
+            </a:xfrm>
+            <a:prstGeom prst="rect">
+              <a:avLst/>
+            </a:prstGeom>
+          </p:spPr>
+        </p:pic>
+        <p:pic>
+          <p:nvPicPr>
+            <p:cNvPr id="12" name="Picture 11">
+              <a:extLst>
+                <a:ext uri="{FF2B5EF4-FFF2-40B4-BE49-F238E27FC236}">
+                  <a16:creationId xmlns:a16="http://schemas.microsoft.com/office/drawing/2014/main" id="{94440DD3-9490-014E-53BD-9817EE36700C}"/>
+                </a:ext>
+              </a:extLst>
+            </p:cNvPr>
+            <p:cNvPicPr>
+              <a:picLocks noChangeAspect="1"/>
+            </p:cNvPicPr>
+            <p:nvPr/>
+          </p:nvPicPr>
+          <p:blipFill rotWithShape="1">
+            <a:blip r:embed="rId6"/>
+            <a:srcRect l="-1228" t="67991" r="1228" b="17370"/>
+            <a:stretch/>
+          </p:blipFill>
+          <p:spPr>
+            <a:xfrm>
+              <a:off x="7784432" y="433137"/>
+              <a:ext cx="3918784" cy="360948"/>
+            </a:xfrm>
+            <a:prstGeom prst="rect">
+              <a:avLst/>
+            </a:prstGeom>
+          </p:spPr>
+        </p:pic>
+      </p:grpSp>
+    </p:spTree>
+    <p:extLst>
+      <p:ext uri="{BB962C8B-B14F-4D97-AF65-F5344CB8AC3E}">
+        <p14:creationId xmlns:p14="http://schemas.microsoft.com/office/powerpoint/2010/main" val="914624435"/>
+      </p:ext>
+    </p:extLst>
+  </p:cSld>
+  <p:clrMapOvr>
+    <a:masterClrMapping/>
+  </p:clrMapOvr>
+</p:sld>
+</file>
+
+<file path=ppt/slides/slide7.xml><?xml version="1.0" encoding="utf-8"?>
+<p:sld xmlns:a="http://schemas.openxmlformats.org/drawingml/2006/main" xmlns:r="http://schemas.openxmlformats.org/officeDocument/2006/relationships" xmlns:p="http://schemas.openxmlformats.org/presentationml/2006/main">
+  <p:cSld>
+    <p:spTree>
+      <p:nvGrpSpPr>
+        <p:cNvPr id="1" name=""/>
+        <p:cNvGrpSpPr/>
+        <p:nvPr/>
+      </p:nvGrpSpPr>
+      <p:grpSpPr>
+        <a:xfrm>
+          <a:off x="0" y="0"/>
+          <a:ext cx="0" cy="0"/>
+          <a:chOff x="0" y="0"/>
+          <a:chExt cx="0" cy="0"/>
+        </a:xfrm>
+      </p:grpSpPr>
+      <p:sp>
+        <p:nvSpPr>
+          <p:cNvPr id="2" name="Title 1">
+            <a:extLst>
+              <a:ext uri="{FF2B5EF4-FFF2-40B4-BE49-F238E27FC236}">
+                <a16:creationId xmlns:a16="http://schemas.microsoft.com/office/drawing/2014/main" id="{C1C2B0AF-C3BF-65D1-BBBB-4EB88EE0B482}"/>
+              </a:ext>
+            </a:extLst>
+          </p:cNvPr>
+          <p:cNvSpPr>
+            <a:spLocks noGrp="1"/>
+          </p:cNvSpPr>
+          <p:nvPr>
+            <p:ph type="title"/>
+          </p:nvPr>
+        </p:nvSpPr>
+        <p:spPr/>
+        <p:txBody>
+          <a:bodyPr/>
+          <a:lstStyle/>
+          <a:p>
+            <a:r>
+              <a:rPr lang="en-AU" dirty="0"/>
+              <a:t>WPR</a:t>
+            </a:r>
+          </a:p>
+        </p:txBody>
+      </p:sp>
+      <p:sp>
+        <p:nvSpPr>
+          <p:cNvPr id="3" name="TextBox 2">
+            <a:extLst>
+              <a:ext uri="{FF2B5EF4-FFF2-40B4-BE49-F238E27FC236}">
+                <a16:creationId xmlns:a16="http://schemas.microsoft.com/office/drawing/2014/main" id="{3ACE6000-823D-8579-3BED-4C4925441872}"/>
+              </a:ext>
+            </a:extLst>
+          </p:cNvPr>
+          <p:cNvSpPr txBox="1"/>
+          <p:nvPr/>
+        </p:nvSpPr>
+        <p:spPr>
+          <a:xfrm rot="16200000">
+            <a:off x="-869133" y="2154724"/>
+            <a:ext cx="3431264" cy="369332"/>
+          </a:xfrm>
+          <a:prstGeom prst="rect">
+            <a:avLst/>
+          </a:prstGeom>
+          <a:noFill/>
+        </p:spPr>
+        <p:txBody>
+          <a:bodyPr wrap="square" rtlCol="0">
+            <a:spAutoFit/>
+          </a:bodyPr>
+          <a:lstStyle/>
+          <a:p>
+            <a:r>
+              <a:rPr lang="en-AU" dirty="0"/>
+              <a:t>Chronic Hep B Population</a:t>
+            </a:r>
+          </a:p>
+        </p:txBody>
+      </p:sp>
+      <p:sp>
+        <p:nvSpPr>
+          <p:cNvPr id="7" name="TextBox 6">
+            <a:extLst>
+              <a:ext uri="{FF2B5EF4-FFF2-40B4-BE49-F238E27FC236}">
+                <a16:creationId xmlns:a16="http://schemas.microsoft.com/office/drawing/2014/main" id="{E36B82C7-EEF9-5798-0888-E6EC0A1BBDC3}"/>
+              </a:ext>
+            </a:extLst>
+          </p:cNvPr>
+          <p:cNvSpPr txBox="1"/>
+          <p:nvPr/>
+        </p:nvSpPr>
+        <p:spPr>
+          <a:xfrm rot="16200000">
+            <a:off x="-879695" y="4778720"/>
+            <a:ext cx="3431264" cy="369332"/>
+          </a:xfrm>
+          <a:prstGeom prst="rect">
+            <a:avLst/>
+          </a:prstGeom>
+          <a:noFill/>
+        </p:spPr>
+        <p:txBody>
+          <a:bodyPr wrap="square" rtlCol="0">
+            <a:spAutoFit/>
+          </a:bodyPr>
+          <a:lstStyle/>
+          <a:p>
+            <a:r>
+              <a:rPr lang="en-AU" dirty="0"/>
+              <a:t>Acute </a:t>
+            </a:r>
+            <a:r>
+              <a:rPr lang="en-AU" dirty="0" err="1"/>
+              <a:t>HepB</a:t>
+            </a:r>
+            <a:r>
+              <a:rPr lang="en-AU" dirty="0"/>
+              <a:t> Deaths</a:t>
+            </a:r>
+          </a:p>
+        </p:txBody>
+      </p:sp>
+      <p:sp>
+        <p:nvSpPr>
+          <p:cNvPr id="8" name="TextBox 7">
+            <a:extLst>
+              <a:ext uri="{FF2B5EF4-FFF2-40B4-BE49-F238E27FC236}">
+                <a16:creationId xmlns:a16="http://schemas.microsoft.com/office/drawing/2014/main" id="{E88ABFD1-A56E-17C7-A9BF-339797F0EFB6}"/>
+              </a:ext>
+            </a:extLst>
+          </p:cNvPr>
+          <p:cNvSpPr txBox="1"/>
+          <p:nvPr/>
+        </p:nvSpPr>
+        <p:spPr>
+          <a:xfrm rot="16200000">
+            <a:off x="4958281" y="1689980"/>
+            <a:ext cx="3431264" cy="369332"/>
+          </a:xfrm>
+          <a:prstGeom prst="rect">
+            <a:avLst/>
+          </a:prstGeom>
+          <a:noFill/>
+        </p:spPr>
+        <p:txBody>
+          <a:bodyPr wrap="square" rtlCol="0">
+            <a:spAutoFit/>
+          </a:bodyPr>
+          <a:lstStyle/>
+          <a:p>
+            <a:r>
+              <a:rPr lang="en-AU" dirty="0"/>
+              <a:t>Cirrhosis Deaths</a:t>
+            </a:r>
+          </a:p>
+        </p:txBody>
+      </p:sp>
+      <p:sp>
+        <p:nvSpPr>
+          <p:cNvPr id="9" name="TextBox 8">
+            <a:extLst>
+              <a:ext uri="{FF2B5EF4-FFF2-40B4-BE49-F238E27FC236}">
+                <a16:creationId xmlns:a16="http://schemas.microsoft.com/office/drawing/2014/main" id="{0C22EA0A-140E-27A9-112D-07E22B4A2CBD}"/>
+              </a:ext>
+            </a:extLst>
+          </p:cNvPr>
+          <p:cNvSpPr txBox="1"/>
+          <p:nvPr/>
+        </p:nvSpPr>
+        <p:spPr>
+          <a:xfrm rot="16200000">
+            <a:off x="5002039" y="4286816"/>
+            <a:ext cx="3431264" cy="369332"/>
+          </a:xfrm>
+          <a:prstGeom prst="rect">
+            <a:avLst/>
+          </a:prstGeom>
+          <a:noFill/>
+        </p:spPr>
+        <p:txBody>
+          <a:bodyPr wrap="square" rtlCol="0">
+            <a:spAutoFit/>
+          </a:bodyPr>
+          <a:lstStyle/>
+          <a:p>
+            <a:r>
+              <a:rPr lang="en-AU" dirty="0"/>
+              <a:t>HCC Deaths</a:t>
+            </a:r>
+          </a:p>
+        </p:txBody>
+      </p:sp>
+      <p:pic>
+        <p:nvPicPr>
+          <p:cNvPr id="1026" name="Picture 2">
+            <a:extLst>
+              <a:ext uri="{FF2B5EF4-FFF2-40B4-BE49-F238E27FC236}">
+                <a16:creationId xmlns:a16="http://schemas.microsoft.com/office/drawing/2014/main" id="{38DDB910-1507-6CA3-1E58-8B51CB265246}"/>
+              </a:ext>
+            </a:extLst>
+          </p:cNvPr>
+          <p:cNvPicPr>
+            <a:picLocks noChangeAspect="1" noChangeArrowheads="1"/>
+          </p:cNvPicPr>
+          <p:nvPr/>
+        </p:nvPicPr>
+        <p:blipFill>
+          <a:blip r:embed="rId2">
+            <a:extLst>
+              <a:ext uri="{28A0092B-C50C-407E-A947-70E740481C1C}">
+                <a14:useLocalDpi xmlns:a14="http://schemas.microsoft.com/office/drawing/2010/main" val="0"/>
+              </a:ext>
+            </a:extLst>
+          </a:blip>
+          <a:srcRect/>
+          <a:stretch>
+            <a:fillRect/>
+          </a:stretch>
+        </p:blipFill>
+        <p:spPr bwMode="auto">
+          <a:xfrm>
+            <a:off x="1217696" y="1479382"/>
+            <a:ext cx="3981450" cy="2647950"/>
+          </a:xfrm>
+          <a:prstGeom prst="rect">
+            <a:avLst/>
+          </a:prstGeom>
+          <a:noFill/>
+          <a:extLst>
+            <a:ext uri="{909E8E84-426E-40DD-AFC4-6F175D3DCCD1}">
+              <a14:hiddenFill xmlns:a14="http://schemas.microsoft.com/office/drawing/2010/main">
+                <a:solidFill>
+                  <a:srgbClr val="FFFFFF"/>
+                </a:solidFill>
+              </a14:hiddenFill>
+            </a:ext>
+          </a:extLst>
+        </p:spPr>
+      </p:pic>
+      <p:pic>
+        <p:nvPicPr>
+          <p:cNvPr id="1028" name="Picture 4">
+            <a:extLst>
+              <a:ext uri="{FF2B5EF4-FFF2-40B4-BE49-F238E27FC236}">
+                <a16:creationId xmlns:a16="http://schemas.microsoft.com/office/drawing/2014/main" id="{E660A843-94EF-4065-799A-5C3EA1435E15}"/>
+              </a:ext>
+            </a:extLst>
+          </p:cNvPr>
+          <p:cNvPicPr>
+            <a:picLocks noChangeAspect="1" noChangeArrowheads="1"/>
+          </p:cNvPicPr>
+          <p:nvPr/>
+        </p:nvPicPr>
+        <p:blipFill>
+          <a:blip r:embed="rId3">
+            <a:extLst>
+              <a:ext uri="{28A0092B-C50C-407E-A947-70E740481C1C}">
+                <a14:useLocalDpi xmlns:a14="http://schemas.microsoft.com/office/drawing/2010/main" val="0"/>
+              </a:ext>
+            </a:extLst>
+          </a:blip>
+          <a:srcRect/>
+          <a:stretch>
+            <a:fillRect/>
+          </a:stretch>
+        </p:blipFill>
+        <p:spPr bwMode="auto">
+          <a:xfrm>
+            <a:off x="1185612" y="4210050"/>
+            <a:ext cx="3981450" cy="2647950"/>
+          </a:xfrm>
+          <a:prstGeom prst="rect">
+            <a:avLst/>
+          </a:prstGeom>
+          <a:noFill/>
+          <a:extLst>
+            <a:ext uri="{909E8E84-426E-40DD-AFC4-6F175D3DCCD1}">
+              <a14:hiddenFill xmlns:a14="http://schemas.microsoft.com/office/drawing/2010/main">
+                <a:solidFill>
+                  <a:srgbClr val="FFFFFF"/>
+                </a:solidFill>
+              </a14:hiddenFill>
+            </a:ext>
+          </a:extLst>
+        </p:spPr>
+      </p:pic>
+      <p:pic>
+        <p:nvPicPr>
+          <p:cNvPr id="1030" name="Picture 6">
+            <a:extLst>
+              <a:ext uri="{FF2B5EF4-FFF2-40B4-BE49-F238E27FC236}">
+                <a16:creationId xmlns:a16="http://schemas.microsoft.com/office/drawing/2014/main" id="{E176AB45-EF46-6B8D-4B69-CCC2B607A7B2}"/>
+              </a:ext>
+            </a:extLst>
+          </p:cNvPr>
+          <p:cNvPicPr>
+            <a:picLocks noChangeAspect="1" noChangeArrowheads="1"/>
+          </p:cNvPicPr>
+          <p:nvPr/>
+        </p:nvPicPr>
+        <p:blipFill>
+          <a:blip r:embed="rId4">
+            <a:extLst>
+              <a:ext uri="{28A0092B-C50C-407E-A947-70E740481C1C}">
+                <a14:useLocalDpi xmlns:a14="http://schemas.microsoft.com/office/drawing/2010/main" val="0"/>
+              </a:ext>
+            </a:extLst>
+          </a:blip>
+          <a:srcRect/>
+          <a:stretch>
+            <a:fillRect/>
+          </a:stretch>
+        </p:blipFill>
+        <p:spPr bwMode="auto">
+          <a:xfrm>
+            <a:off x="7297654" y="1415215"/>
+            <a:ext cx="3981450" cy="2647950"/>
+          </a:xfrm>
+          <a:prstGeom prst="rect">
+            <a:avLst/>
+          </a:prstGeom>
+          <a:noFill/>
+          <a:extLst>
+            <a:ext uri="{909E8E84-426E-40DD-AFC4-6F175D3DCCD1}">
+              <a14:hiddenFill xmlns:a14="http://schemas.microsoft.com/office/drawing/2010/main">
+                <a:solidFill>
+                  <a:srgbClr val="FFFFFF"/>
+                </a:solidFill>
+              </a14:hiddenFill>
+            </a:ext>
+          </a:extLst>
+        </p:spPr>
+      </p:pic>
+      <p:pic>
+        <p:nvPicPr>
+          <p:cNvPr id="1032" name="Picture 8">
+            <a:extLst>
+              <a:ext uri="{FF2B5EF4-FFF2-40B4-BE49-F238E27FC236}">
+                <a16:creationId xmlns:a16="http://schemas.microsoft.com/office/drawing/2014/main" id="{57F5CB85-6299-9BE8-E0A9-227D444BE0BB}"/>
+              </a:ext>
+            </a:extLst>
+          </p:cNvPr>
+          <p:cNvPicPr>
+            <a:picLocks noChangeAspect="1" noChangeArrowheads="1"/>
+          </p:cNvPicPr>
+          <p:nvPr/>
+        </p:nvPicPr>
+        <p:blipFill>
+          <a:blip r:embed="rId5">
+            <a:extLst>
+              <a:ext uri="{28A0092B-C50C-407E-A947-70E740481C1C}">
+                <a14:useLocalDpi xmlns:a14="http://schemas.microsoft.com/office/drawing/2010/main" val="0"/>
+              </a:ext>
+            </a:extLst>
+          </a:blip>
+          <a:srcRect/>
+          <a:stretch>
+            <a:fillRect/>
+          </a:stretch>
+        </p:blipFill>
+        <p:spPr bwMode="auto">
+          <a:xfrm>
+            <a:off x="7236493" y="4210050"/>
+            <a:ext cx="3943350" cy="2647950"/>
+          </a:xfrm>
+          <a:prstGeom prst="rect">
+            <a:avLst/>
+          </a:prstGeom>
+          <a:noFill/>
+          <a:extLst>
+            <a:ext uri="{909E8E84-426E-40DD-AFC4-6F175D3DCCD1}">
+              <a14:hiddenFill xmlns:a14="http://schemas.microsoft.com/office/drawing/2010/main">
+                <a:solidFill>
+                  <a:srgbClr val="FFFFFF"/>
+                </a:solidFill>
+              </a14:hiddenFill>
+            </a:ext>
+          </a:extLst>
+        </p:spPr>
+      </p:pic>
+      <p:grpSp>
+        <p:nvGrpSpPr>
+          <p:cNvPr id="10" name="Group 9">
+            <a:extLst>
+              <a:ext uri="{FF2B5EF4-FFF2-40B4-BE49-F238E27FC236}">
+                <a16:creationId xmlns:a16="http://schemas.microsoft.com/office/drawing/2014/main" id="{F2FEDEA2-E072-5B37-923E-C806D6751271}"/>
+              </a:ext>
+            </a:extLst>
+          </p:cNvPr>
+          <p:cNvGrpSpPr/>
+          <p:nvPr/>
+        </p:nvGrpSpPr>
+        <p:grpSpPr>
+          <a:xfrm>
+            <a:off x="7824539" y="256674"/>
+            <a:ext cx="3942848" cy="689811"/>
+            <a:chOff x="7760368" y="112295"/>
+            <a:chExt cx="3942848" cy="689811"/>
+          </a:xfrm>
+        </p:grpSpPr>
+        <p:pic>
+          <p:nvPicPr>
+            <p:cNvPr id="11" name="Picture 10">
+              <a:extLst>
+                <a:ext uri="{FF2B5EF4-FFF2-40B4-BE49-F238E27FC236}">
+                  <a16:creationId xmlns:a16="http://schemas.microsoft.com/office/drawing/2014/main" id="{63CD6A65-77ED-525B-B0B6-F09480165246}"/>
+                </a:ext>
+              </a:extLst>
+            </p:cNvPr>
+            <p:cNvPicPr>
+              <a:picLocks noChangeAspect="1"/>
+            </p:cNvPicPr>
+            <p:nvPr/>
+          </p:nvPicPr>
+          <p:blipFill rotWithShape="1">
+            <a:blip r:embed="rId6"/>
+            <a:srcRect b="72022"/>
+            <a:stretch/>
+          </p:blipFill>
+          <p:spPr>
+            <a:xfrm>
+              <a:off x="7760368" y="112295"/>
+              <a:ext cx="3918784" cy="689811"/>
+            </a:xfrm>
+            <a:prstGeom prst="rect">
+              <a:avLst/>
+            </a:prstGeom>
+          </p:spPr>
+        </p:pic>
+        <p:pic>
+          <p:nvPicPr>
+            <p:cNvPr id="12" name="Picture 11">
+              <a:extLst>
+                <a:ext uri="{FF2B5EF4-FFF2-40B4-BE49-F238E27FC236}">
+                  <a16:creationId xmlns:a16="http://schemas.microsoft.com/office/drawing/2014/main" id="{4D2C3954-D3DA-1E41-1CEC-3C6B3BA1CC16}"/>
+                </a:ext>
+              </a:extLst>
+            </p:cNvPr>
+            <p:cNvPicPr>
+              <a:picLocks noChangeAspect="1"/>
+            </p:cNvPicPr>
+            <p:nvPr/>
+          </p:nvPicPr>
+          <p:blipFill rotWithShape="1">
+            <a:blip r:embed="rId6"/>
+            <a:srcRect t="82305" b="3056"/>
+            <a:stretch/>
+          </p:blipFill>
+          <p:spPr>
+            <a:xfrm>
+              <a:off x="7784432" y="433137"/>
+              <a:ext cx="3918784" cy="360948"/>
+            </a:xfrm>
+            <a:prstGeom prst="rect">
+              <a:avLst/>
+            </a:prstGeom>
+          </p:spPr>
+        </p:pic>
+      </p:grpSp>
+    </p:spTree>
+    <p:extLst>
+      <p:ext uri="{BB962C8B-B14F-4D97-AF65-F5344CB8AC3E}">
+        <p14:creationId xmlns:p14="http://schemas.microsoft.com/office/powerpoint/2010/main" val="335507351"/>
       </p:ext>
     </p:extLst>
   </p:cSld>
